--- a/Trajectory Data Mining 2015.pptx
+++ b/Trajectory Data Mining 2015.pptx
@@ -5,15 +5,14 @@
     <p:sldMasterId id="2147483720" r:id="rId1"/>
   </p:sldMasterIdLst>
   <p:notesMasterIdLst>
-    <p:notesMasterId r:id="rId8"/>
+    <p:notesMasterId r:id="rId7"/>
   </p:notesMasterIdLst>
   <p:sldIdLst>
     <p:sldId id="256" r:id="rId2"/>
     <p:sldId id="259" r:id="rId3"/>
-    <p:sldId id="258" r:id="rId4"/>
-    <p:sldId id="260" r:id="rId5"/>
-    <p:sldId id="261" r:id="rId6"/>
-    <p:sldId id="263" r:id="rId7"/>
+    <p:sldId id="260" r:id="rId4"/>
+    <p:sldId id="261" r:id="rId5"/>
+    <p:sldId id="263" r:id="rId6"/>
   </p:sldIdLst>
   <p:sldSz cx="12192000" cy="6858000"/>
   <p:notesSz cx="6858000" cy="9144000"/>
@@ -2467,788 +2466,6 @@
 </file>
 
 <file path=ppt/diagrams/colors4.xml><?xml version="1.0" encoding="utf-8"?>
-<dgm:colorsDef xmlns:dgm="http://schemas.openxmlformats.org/drawingml/2006/diagram" xmlns:a="http://schemas.openxmlformats.org/drawingml/2006/main" uniqueId="urn:microsoft.com/office/officeart/2005/8/colors/colorful5">
-  <dgm:title val=""/>
-  <dgm:desc val=""/>
-  <dgm:catLst>
-    <dgm:cat type="colorful" pri="10500"/>
-  </dgm:catLst>
-  <dgm:styleLbl name="node0">
-    <dgm:fillClrLst meth="repeat">
-      <a:schemeClr val="accent4"/>
-    </dgm:fillClrLst>
-    <dgm:linClrLst meth="repeat">
-      <a:schemeClr val="lt1"/>
-    </dgm:linClrLst>
-    <dgm:effectClrLst/>
-    <dgm:txLinClrLst/>
-    <dgm:txFillClrLst/>
-    <dgm:txEffectClrLst/>
-  </dgm:styleLbl>
-  <dgm:styleLbl name="node1">
-    <dgm:fillClrLst>
-      <a:schemeClr val="accent5"/>
-      <a:schemeClr val="accent6"/>
-    </dgm:fillClrLst>
-    <dgm:linClrLst meth="repeat">
-      <a:schemeClr val="lt1"/>
-    </dgm:linClrLst>
-    <dgm:effectClrLst/>
-    <dgm:txLinClrLst/>
-    <dgm:txFillClrLst/>
-    <dgm:txEffectClrLst/>
-  </dgm:styleLbl>
-  <dgm:styleLbl name="alignNode1">
-    <dgm:fillClrLst>
-      <a:schemeClr val="accent5"/>
-      <a:schemeClr val="accent6"/>
-    </dgm:fillClrLst>
-    <dgm:linClrLst>
-      <a:schemeClr val="accent5"/>
-      <a:schemeClr val="accent6"/>
-    </dgm:linClrLst>
-    <dgm:effectClrLst/>
-    <dgm:txLinClrLst/>
-    <dgm:txFillClrLst/>
-    <dgm:txEffectClrLst/>
-  </dgm:styleLbl>
-  <dgm:styleLbl name="lnNode1">
-    <dgm:fillClrLst>
-      <a:schemeClr val="accent5"/>
-      <a:schemeClr val="accent6"/>
-    </dgm:fillClrLst>
-    <dgm:linClrLst meth="repeat">
-      <a:schemeClr val="lt1"/>
-    </dgm:linClrLst>
-    <dgm:effectClrLst/>
-    <dgm:txLinClrLst/>
-    <dgm:txFillClrLst/>
-    <dgm:txEffectClrLst/>
-  </dgm:styleLbl>
-  <dgm:styleLbl name="vennNode1">
-    <dgm:fillClrLst>
-      <a:schemeClr val="accent5">
-        <a:alpha val="50000"/>
-      </a:schemeClr>
-      <a:schemeClr val="accent6">
-        <a:alpha val="50000"/>
-      </a:schemeClr>
-    </dgm:fillClrLst>
-    <dgm:linClrLst meth="repeat">
-      <a:schemeClr val="lt1"/>
-    </dgm:linClrLst>
-    <dgm:effectClrLst/>
-    <dgm:txLinClrLst/>
-    <dgm:txFillClrLst/>
-    <dgm:txEffectClrLst/>
-  </dgm:styleLbl>
-  <dgm:styleLbl name="node2">
-    <dgm:fillClrLst>
-      <a:schemeClr val="accent6"/>
-    </dgm:fillClrLst>
-    <dgm:linClrLst meth="repeat">
-      <a:schemeClr val="lt1"/>
-    </dgm:linClrLst>
-    <dgm:effectClrLst/>
-    <dgm:txLinClrLst/>
-    <dgm:txFillClrLst/>
-    <dgm:txEffectClrLst/>
-  </dgm:styleLbl>
-  <dgm:styleLbl name="node3">
-    <dgm:fillClrLst>
-      <a:schemeClr val="accent1"/>
-    </dgm:fillClrLst>
-    <dgm:linClrLst meth="repeat">
-      <a:schemeClr val="lt1"/>
-    </dgm:linClrLst>
-    <dgm:effectClrLst/>
-    <dgm:txLinClrLst/>
-    <dgm:txFillClrLst/>
-    <dgm:txEffectClrLst/>
-  </dgm:styleLbl>
-  <dgm:styleLbl name="node4">
-    <dgm:fillClrLst>
-      <a:schemeClr val="accent2"/>
-    </dgm:fillClrLst>
-    <dgm:linClrLst meth="repeat">
-      <a:schemeClr val="lt1"/>
-    </dgm:linClrLst>
-    <dgm:effectClrLst/>
-    <dgm:txLinClrLst/>
-    <dgm:txFillClrLst/>
-    <dgm:txEffectClrLst/>
-  </dgm:styleLbl>
-  <dgm:styleLbl name="fgImgPlace1">
-    <dgm:fillClrLst>
-      <a:schemeClr val="accent5">
-        <a:tint val="50000"/>
-      </a:schemeClr>
-      <a:schemeClr val="accent6">
-        <a:tint val="50000"/>
-      </a:schemeClr>
-    </dgm:fillClrLst>
-    <dgm:linClrLst meth="repeat">
-      <a:schemeClr val="lt1"/>
-    </dgm:linClrLst>
-    <dgm:effectClrLst/>
-    <dgm:txLinClrLst/>
-    <dgm:txFillClrLst meth="repeat">
-      <a:schemeClr val="lt1"/>
-    </dgm:txFillClrLst>
-    <dgm:txEffectClrLst/>
-  </dgm:styleLbl>
-  <dgm:styleLbl name="alignImgPlace1">
-    <dgm:fillClrLst>
-      <a:schemeClr val="accent5">
-        <a:tint val="50000"/>
-      </a:schemeClr>
-      <a:schemeClr val="accent6">
-        <a:tint val="20000"/>
-      </a:schemeClr>
-    </dgm:fillClrLst>
-    <dgm:linClrLst meth="repeat">
-      <a:schemeClr val="lt1"/>
-    </dgm:linClrLst>
-    <dgm:effectClrLst/>
-    <dgm:txLinClrLst/>
-    <dgm:txFillClrLst meth="repeat">
-      <a:schemeClr val="lt1"/>
-    </dgm:txFillClrLst>
-    <dgm:txEffectClrLst/>
-  </dgm:styleLbl>
-  <dgm:styleLbl name="bgImgPlace1">
-    <dgm:fillClrLst>
-      <a:schemeClr val="accent5">
-        <a:tint val="50000"/>
-      </a:schemeClr>
-      <a:schemeClr val="accent6">
-        <a:tint val="20000"/>
-      </a:schemeClr>
-    </dgm:fillClrLst>
-    <dgm:linClrLst meth="repeat">
-      <a:schemeClr val="lt1"/>
-    </dgm:linClrLst>
-    <dgm:effectClrLst/>
-    <dgm:txLinClrLst/>
-    <dgm:txFillClrLst meth="repeat">
-      <a:schemeClr val="lt1"/>
-    </dgm:txFillClrLst>
-    <dgm:txEffectClrLst/>
-  </dgm:styleLbl>
-  <dgm:styleLbl name="sibTrans2D1">
-    <dgm:fillClrLst>
-      <a:schemeClr val="accent5"/>
-      <a:schemeClr val="accent6"/>
-    </dgm:fillClrLst>
-    <dgm:linClrLst meth="repeat">
-      <a:schemeClr val="lt1"/>
-    </dgm:linClrLst>
-    <dgm:effectClrLst/>
-    <dgm:txLinClrLst/>
-    <dgm:txFillClrLst/>
-    <dgm:txEffectClrLst/>
-  </dgm:styleLbl>
-  <dgm:styleLbl name="fgSibTrans2D1">
-    <dgm:fillClrLst>
-      <a:schemeClr val="accent5"/>
-      <a:schemeClr val="accent6"/>
-    </dgm:fillClrLst>
-    <dgm:linClrLst meth="repeat">
-      <a:schemeClr val="lt1"/>
-    </dgm:linClrLst>
-    <dgm:effectClrLst/>
-    <dgm:txLinClrLst/>
-    <dgm:txFillClrLst meth="repeat">
-      <a:schemeClr val="lt1"/>
-    </dgm:txFillClrLst>
-    <dgm:txEffectClrLst/>
-  </dgm:styleLbl>
-  <dgm:styleLbl name="bgSibTrans2D1">
-    <dgm:fillClrLst>
-      <a:schemeClr val="accent5"/>
-      <a:schemeClr val="accent6"/>
-    </dgm:fillClrLst>
-    <dgm:linClrLst meth="repeat">
-      <a:schemeClr val="lt1"/>
-    </dgm:linClrLst>
-    <dgm:effectClrLst/>
-    <dgm:txLinClrLst/>
-    <dgm:txFillClrLst meth="repeat">
-      <a:schemeClr val="lt1"/>
-    </dgm:txFillClrLst>
-    <dgm:txEffectClrLst/>
-  </dgm:styleLbl>
-  <dgm:styleLbl name="sibTrans1D1">
-    <dgm:fillClrLst/>
-    <dgm:linClrLst>
-      <a:schemeClr val="accent5"/>
-      <a:schemeClr val="accent6"/>
-    </dgm:linClrLst>
-    <dgm:effectClrLst/>
-    <dgm:txLinClrLst/>
-    <dgm:txFillClrLst meth="repeat">
-      <a:schemeClr val="tx1"/>
-    </dgm:txFillClrLst>
-    <dgm:txEffectClrLst/>
-  </dgm:styleLbl>
-  <dgm:styleLbl name="callout">
-    <dgm:fillClrLst meth="repeat">
-      <a:schemeClr val="accent5"/>
-    </dgm:fillClrLst>
-    <dgm:linClrLst meth="repeat">
-      <a:schemeClr val="accent5">
-        <a:tint val="50000"/>
-      </a:schemeClr>
-    </dgm:linClrLst>
-    <dgm:effectClrLst/>
-    <dgm:txLinClrLst/>
-    <dgm:txFillClrLst meth="repeat">
-      <a:schemeClr val="tx1"/>
-    </dgm:txFillClrLst>
-    <dgm:txEffectClrLst/>
-  </dgm:styleLbl>
-  <dgm:styleLbl name="asst0">
-    <dgm:fillClrLst meth="repeat">
-      <a:schemeClr val="accent5"/>
-    </dgm:fillClrLst>
-    <dgm:linClrLst meth="repeat">
-      <a:schemeClr val="lt1">
-        <a:shade val="80000"/>
-      </a:schemeClr>
-    </dgm:linClrLst>
-    <dgm:effectClrLst/>
-    <dgm:txLinClrLst/>
-    <dgm:txFillClrLst/>
-    <dgm:txEffectClrLst/>
-  </dgm:styleLbl>
-  <dgm:styleLbl name="asst1">
-    <dgm:fillClrLst meth="repeat">
-      <a:schemeClr val="accent6"/>
-    </dgm:fillClrLst>
-    <dgm:linClrLst meth="repeat">
-      <a:schemeClr val="lt1">
-        <a:shade val="80000"/>
-      </a:schemeClr>
-    </dgm:linClrLst>
-    <dgm:effectClrLst/>
-    <dgm:txLinClrLst/>
-    <dgm:txFillClrLst/>
-    <dgm:txEffectClrLst/>
-  </dgm:styleLbl>
-  <dgm:styleLbl name="asst2">
-    <dgm:fillClrLst>
-      <a:schemeClr val="accent1"/>
-    </dgm:fillClrLst>
-    <dgm:linClrLst meth="repeat">
-      <a:schemeClr val="lt1"/>
-    </dgm:linClrLst>
-    <dgm:effectClrLst/>
-    <dgm:txLinClrLst/>
-    <dgm:txFillClrLst/>
-    <dgm:txEffectClrLst/>
-  </dgm:styleLbl>
-  <dgm:styleLbl name="asst3">
-    <dgm:fillClrLst>
-      <a:schemeClr val="accent2"/>
-    </dgm:fillClrLst>
-    <dgm:linClrLst meth="repeat">
-      <a:schemeClr val="lt1"/>
-    </dgm:linClrLst>
-    <dgm:effectClrLst/>
-    <dgm:txLinClrLst/>
-    <dgm:txFillClrLst/>
-    <dgm:txEffectClrLst/>
-  </dgm:styleLbl>
-  <dgm:styleLbl name="asst4">
-    <dgm:fillClrLst>
-      <a:schemeClr val="accent3"/>
-    </dgm:fillClrLst>
-    <dgm:linClrLst meth="repeat">
-      <a:schemeClr val="lt1"/>
-    </dgm:linClrLst>
-    <dgm:effectClrLst/>
-    <dgm:txLinClrLst/>
-    <dgm:txFillClrLst/>
-    <dgm:txEffectClrLst/>
-  </dgm:styleLbl>
-  <dgm:styleLbl name="parChTrans2D1">
-    <dgm:fillClrLst meth="repeat">
-      <a:schemeClr val="accent5"/>
-    </dgm:fillClrLst>
-    <dgm:linClrLst meth="repeat">
-      <a:schemeClr val="lt1"/>
-    </dgm:linClrLst>
-    <dgm:effectClrLst/>
-    <dgm:txLinClrLst/>
-    <dgm:txFillClrLst meth="repeat">
-      <a:schemeClr val="lt1"/>
-    </dgm:txFillClrLst>
-    <dgm:txEffectClrLst/>
-  </dgm:styleLbl>
-  <dgm:styleLbl name="parChTrans2D2">
-    <dgm:fillClrLst meth="repeat">
-      <a:schemeClr val="accent6"/>
-    </dgm:fillClrLst>
-    <dgm:linClrLst meth="repeat">
-      <a:schemeClr val="lt1"/>
-    </dgm:linClrLst>
-    <dgm:effectClrLst/>
-    <dgm:txLinClrLst/>
-    <dgm:txFillClrLst/>
-    <dgm:txEffectClrLst/>
-  </dgm:styleLbl>
-  <dgm:styleLbl name="parChTrans2D3">
-    <dgm:fillClrLst meth="repeat">
-      <a:schemeClr val="accent6"/>
-    </dgm:fillClrLst>
-    <dgm:linClrLst meth="repeat">
-      <a:schemeClr val="lt1"/>
-    </dgm:linClrLst>
-    <dgm:effectClrLst/>
-    <dgm:txLinClrLst/>
-    <dgm:txFillClrLst/>
-    <dgm:txEffectClrLst/>
-  </dgm:styleLbl>
-  <dgm:styleLbl name="parChTrans2D4">
-    <dgm:fillClrLst meth="repeat">
-      <a:schemeClr val="accent1"/>
-    </dgm:fillClrLst>
-    <dgm:linClrLst meth="repeat">
-      <a:schemeClr val="lt1"/>
-    </dgm:linClrLst>
-    <dgm:effectClrLst/>
-    <dgm:txLinClrLst/>
-    <dgm:txFillClrLst meth="repeat">
-      <a:schemeClr val="lt1"/>
-    </dgm:txFillClrLst>
-    <dgm:txEffectClrLst/>
-  </dgm:styleLbl>
-  <dgm:styleLbl name="parChTrans1D1">
-    <dgm:fillClrLst meth="repeat">
-      <a:schemeClr val="accent5"/>
-    </dgm:fillClrLst>
-    <dgm:linClrLst meth="repeat">
-      <a:schemeClr val="accent5"/>
-    </dgm:linClrLst>
-    <dgm:effectClrLst/>
-    <dgm:txLinClrLst/>
-    <dgm:txFillClrLst meth="repeat">
-      <a:schemeClr val="tx1"/>
-    </dgm:txFillClrLst>
-    <dgm:txEffectClrLst/>
-  </dgm:styleLbl>
-  <dgm:styleLbl name="parChTrans1D2">
-    <dgm:fillClrLst meth="repeat">
-      <a:schemeClr val="accent6">
-        <a:tint val="90000"/>
-      </a:schemeClr>
-    </dgm:fillClrLst>
-    <dgm:linClrLst meth="repeat">
-      <a:schemeClr val="accent6"/>
-    </dgm:linClrLst>
-    <dgm:effectClrLst/>
-    <dgm:txLinClrLst/>
-    <dgm:txFillClrLst meth="repeat">
-      <a:schemeClr val="tx1"/>
-    </dgm:txFillClrLst>
-    <dgm:txEffectClrLst/>
-  </dgm:styleLbl>
-  <dgm:styleLbl name="parChTrans1D3">
-    <dgm:fillClrLst meth="repeat">
-      <a:schemeClr val="accent6">
-        <a:tint val="70000"/>
-      </a:schemeClr>
-    </dgm:fillClrLst>
-    <dgm:linClrLst meth="repeat">
-      <a:schemeClr val="accent1"/>
-    </dgm:linClrLst>
-    <dgm:effectClrLst/>
-    <dgm:txLinClrLst/>
-    <dgm:txFillClrLst meth="repeat">
-      <a:schemeClr val="tx1"/>
-    </dgm:txFillClrLst>
-    <dgm:txEffectClrLst/>
-  </dgm:styleLbl>
-  <dgm:styleLbl name="parChTrans1D4">
-    <dgm:fillClrLst meth="repeat">
-      <a:schemeClr val="accent6">
-        <a:tint val="50000"/>
-      </a:schemeClr>
-    </dgm:fillClrLst>
-    <dgm:linClrLst meth="repeat">
-      <a:schemeClr val="accent2"/>
-    </dgm:linClrLst>
-    <dgm:effectClrLst/>
-    <dgm:txLinClrLst/>
-    <dgm:txFillClrLst meth="repeat">
-      <a:schemeClr val="tx1"/>
-    </dgm:txFillClrLst>
-    <dgm:txEffectClrLst/>
-  </dgm:styleLbl>
-  <dgm:styleLbl name="fgAcc1">
-    <dgm:fillClrLst meth="repeat">
-      <a:schemeClr val="lt1">
-        <a:alpha val="90000"/>
-      </a:schemeClr>
-    </dgm:fillClrLst>
-    <dgm:linClrLst>
-      <a:schemeClr val="accent5"/>
-      <a:schemeClr val="accent6"/>
-    </dgm:linClrLst>
-    <dgm:effectClrLst/>
-    <dgm:txLinClrLst/>
-    <dgm:txFillClrLst meth="repeat">
-      <a:schemeClr val="dk1"/>
-    </dgm:txFillClrLst>
-    <dgm:txEffectClrLst/>
-  </dgm:styleLbl>
-  <dgm:styleLbl name="conFgAcc1">
-    <dgm:fillClrLst meth="repeat">
-      <a:schemeClr val="lt1">
-        <a:alpha val="90000"/>
-      </a:schemeClr>
-    </dgm:fillClrLst>
-    <dgm:linClrLst>
-      <a:schemeClr val="accent5"/>
-      <a:schemeClr val="accent6"/>
-    </dgm:linClrLst>
-    <dgm:effectClrLst/>
-    <dgm:txLinClrLst/>
-    <dgm:txFillClrLst meth="repeat">
-      <a:schemeClr val="dk1"/>
-    </dgm:txFillClrLst>
-    <dgm:txEffectClrLst/>
-  </dgm:styleLbl>
-  <dgm:styleLbl name="alignAcc1">
-    <dgm:fillClrLst meth="repeat">
-      <a:schemeClr val="lt1">
-        <a:alpha val="90000"/>
-      </a:schemeClr>
-    </dgm:fillClrLst>
-    <dgm:linClrLst>
-      <a:schemeClr val="accent5"/>
-      <a:schemeClr val="accent6"/>
-    </dgm:linClrLst>
-    <dgm:effectClrLst/>
-    <dgm:txLinClrLst/>
-    <dgm:txFillClrLst meth="repeat">
-      <a:schemeClr val="dk1"/>
-    </dgm:txFillClrLst>
-    <dgm:txEffectClrLst/>
-  </dgm:styleLbl>
-  <dgm:styleLbl name="trAlignAcc1">
-    <dgm:fillClrLst meth="repeat">
-      <a:schemeClr val="lt1">
-        <a:alpha val="40000"/>
-      </a:schemeClr>
-    </dgm:fillClrLst>
-    <dgm:linClrLst meth="repeat">
-      <a:schemeClr val="accent5"/>
-    </dgm:linClrLst>
-    <dgm:effectClrLst/>
-    <dgm:txLinClrLst/>
-    <dgm:txFillClrLst meth="repeat">
-      <a:schemeClr val="dk1"/>
-    </dgm:txFillClrLst>
-    <dgm:txEffectClrLst/>
-  </dgm:styleLbl>
-  <dgm:styleLbl name="bgAcc1">
-    <dgm:fillClrLst meth="repeat">
-      <a:schemeClr val="lt1">
-        <a:alpha val="90000"/>
-      </a:schemeClr>
-    </dgm:fillClrLst>
-    <dgm:linClrLst>
-      <a:schemeClr val="accent5"/>
-      <a:schemeClr val="accent6"/>
-    </dgm:linClrLst>
-    <dgm:effectClrLst/>
-    <dgm:txLinClrLst/>
-    <dgm:txFillClrLst meth="repeat">
-      <a:schemeClr val="dk1"/>
-    </dgm:txFillClrLst>
-    <dgm:txEffectClrLst/>
-  </dgm:styleLbl>
-  <dgm:styleLbl name="solidFgAcc1">
-    <dgm:fillClrLst meth="repeat">
-      <a:schemeClr val="lt1"/>
-    </dgm:fillClrLst>
-    <dgm:linClrLst>
-      <a:schemeClr val="accent5"/>
-      <a:schemeClr val="accent6"/>
-    </dgm:linClrLst>
-    <dgm:effectClrLst/>
-    <dgm:txLinClrLst/>
-    <dgm:txFillClrLst meth="repeat">
-      <a:schemeClr val="dk1"/>
-    </dgm:txFillClrLst>
-    <dgm:txEffectClrLst/>
-  </dgm:styleLbl>
-  <dgm:styleLbl name="solidAlignAcc1">
-    <dgm:fillClrLst meth="repeat">
-      <a:schemeClr val="lt1"/>
-    </dgm:fillClrLst>
-    <dgm:linClrLst>
-      <a:schemeClr val="accent5"/>
-      <a:schemeClr val="accent6"/>
-    </dgm:linClrLst>
-    <dgm:effectClrLst/>
-    <dgm:txLinClrLst/>
-    <dgm:txFillClrLst meth="repeat">
-      <a:schemeClr val="dk1"/>
-    </dgm:txFillClrLst>
-    <dgm:txEffectClrLst/>
-  </dgm:styleLbl>
-  <dgm:styleLbl name="solidBgAcc1">
-    <dgm:fillClrLst meth="repeat">
-      <a:schemeClr val="lt1"/>
-    </dgm:fillClrLst>
-    <dgm:linClrLst>
-      <a:schemeClr val="accent5"/>
-      <a:schemeClr val="accent6"/>
-    </dgm:linClrLst>
-    <dgm:effectClrLst/>
-    <dgm:txLinClrLst/>
-    <dgm:txFillClrLst meth="repeat">
-      <a:schemeClr val="dk1"/>
-    </dgm:txFillClrLst>
-    <dgm:txEffectClrLst/>
-  </dgm:styleLbl>
-  <dgm:styleLbl name="fgAccFollowNode1">
-    <dgm:fillClrLst>
-      <a:schemeClr val="accent5">
-        <a:tint val="40000"/>
-        <a:alpha val="90000"/>
-      </a:schemeClr>
-      <a:schemeClr val="accent6">
-        <a:tint val="40000"/>
-        <a:alpha val="90000"/>
-      </a:schemeClr>
-    </dgm:fillClrLst>
-    <dgm:linClrLst>
-      <a:schemeClr val="accent5">
-        <a:tint val="40000"/>
-        <a:alpha val="90000"/>
-      </a:schemeClr>
-      <a:schemeClr val="accent5">
-        <a:tint val="40000"/>
-        <a:alpha val="90000"/>
-      </a:schemeClr>
-    </dgm:linClrLst>
-    <dgm:effectClrLst/>
-    <dgm:txLinClrLst/>
-    <dgm:txFillClrLst meth="repeat">
-      <a:schemeClr val="dk1"/>
-    </dgm:txFillClrLst>
-    <dgm:txEffectClrLst/>
-  </dgm:styleLbl>
-  <dgm:styleLbl name="alignAccFollowNode1">
-    <dgm:fillClrLst>
-      <a:schemeClr val="accent5">
-        <a:tint val="40000"/>
-        <a:alpha val="90000"/>
-      </a:schemeClr>
-      <a:schemeClr val="accent6">
-        <a:tint val="40000"/>
-        <a:alpha val="90000"/>
-      </a:schemeClr>
-    </dgm:fillClrLst>
-    <dgm:linClrLst>
-      <a:schemeClr val="accent5">
-        <a:tint val="40000"/>
-        <a:alpha val="90000"/>
-      </a:schemeClr>
-      <a:schemeClr val="accent6">
-        <a:tint val="40000"/>
-        <a:alpha val="90000"/>
-      </a:schemeClr>
-    </dgm:linClrLst>
-    <dgm:effectClrLst/>
-    <dgm:txLinClrLst/>
-    <dgm:txFillClrLst meth="repeat">
-      <a:schemeClr val="dk1"/>
-    </dgm:txFillClrLst>
-    <dgm:txEffectClrLst/>
-  </dgm:styleLbl>
-  <dgm:styleLbl name="bgAccFollowNode1">
-    <dgm:fillClrLst>
-      <a:schemeClr val="accent5">
-        <a:tint val="40000"/>
-        <a:alpha val="90000"/>
-      </a:schemeClr>
-      <a:schemeClr val="accent6">
-        <a:tint val="40000"/>
-        <a:alpha val="90000"/>
-      </a:schemeClr>
-    </dgm:fillClrLst>
-    <dgm:linClrLst>
-      <a:schemeClr val="accent5">
-        <a:tint val="40000"/>
-        <a:alpha val="90000"/>
-      </a:schemeClr>
-      <a:schemeClr val="accent6">
-        <a:tint val="40000"/>
-        <a:alpha val="90000"/>
-      </a:schemeClr>
-    </dgm:linClrLst>
-    <dgm:effectClrLst/>
-    <dgm:txLinClrLst/>
-    <dgm:txFillClrLst meth="repeat">
-      <a:schemeClr val="dk1"/>
-    </dgm:txFillClrLst>
-    <dgm:txEffectClrLst/>
-  </dgm:styleLbl>
-  <dgm:styleLbl name="fgAcc0">
-    <dgm:fillClrLst meth="repeat">
-      <a:schemeClr val="lt1">
-        <a:alpha val="90000"/>
-      </a:schemeClr>
-    </dgm:fillClrLst>
-    <dgm:linClrLst>
-      <a:schemeClr val="accent4"/>
-    </dgm:linClrLst>
-    <dgm:effectClrLst/>
-    <dgm:txLinClrLst/>
-    <dgm:txFillClrLst meth="repeat">
-      <a:schemeClr val="dk1"/>
-    </dgm:txFillClrLst>
-    <dgm:txEffectClrLst/>
-  </dgm:styleLbl>
-  <dgm:styleLbl name="fgAcc2">
-    <dgm:fillClrLst meth="repeat">
-      <a:schemeClr val="lt1">
-        <a:alpha val="90000"/>
-      </a:schemeClr>
-    </dgm:fillClrLst>
-    <dgm:linClrLst>
-      <a:schemeClr val="accent6"/>
-    </dgm:linClrLst>
-    <dgm:effectClrLst/>
-    <dgm:txLinClrLst/>
-    <dgm:txFillClrLst meth="repeat">
-      <a:schemeClr val="dk1"/>
-    </dgm:txFillClrLst>
-    <dgm:txEffectClrLst/>
-  </dgm:styleLbl>
-  <dgm:styleLbl name="fgAcc3">
-    <dgm:fillClrLst meth="repeat">
-      <a:schemeClr val="lt1">
-        <a:alpha val="90000"/>
-      </a:schemeClr>
-    </dgm:fillClrLst>
-    <dgm:linClrLst>
-      <a:schemeClr val="accent1"/>
-    </dgm:linClrLst>
-    <dgm:effectClrLst/>
-    <dgm:txLinClrLst/>
-    <dgm:txFillClrLst meth="repeat">
-      <a:schemeClr val="dk1"/>
-    </dgm:txFillClrLst>
-    <dgm:txEffectClrLst/>
-  </dgm:styleLbl>
-  <dgm:styleLbl name="fgAcc4">
-    <dgm:fillClrLst meth="repeat">
-      <a:schemeClr val="lt1">
-        <a:alpha val="90000"/>
-      </a:schemeClr>
-    </dgm:fillClrLst>
-    <dgm:linClrLst>
-      <a:schemeClr val="accent2"/>
-    </dgm:linClrLst>
-    <dgm:effectClrLst/>
-    <dgm:txLinClrLst/>
-    <dgm:txFillClrLst meth="repeat">
-      <a:schemeClr val="dk1"/>
-    </dgm:txFillClrLst>
-    <dgm:txEffectClrLst/>
-  </dgm:styleLbl>
-  <dgm:styleLbl name="bgShp">
-    <dgm:fillClrLst meth="repeat">
-      <a:schemeClr val="accent5">
-        <a:tint val="40000"/>
-      </a:schemeClr>
-    </dgm:fillClrLst>
-    <dgm:linClrLst meth="repeat">
-      <a:schemeClr val="dk1"/>
-    </dgm:linClrLst>
-    <dgm:effectClrLst/>
-    <dgm:txLinClrLst/>
-    <dgm:txFillClrLst meth="repeat">
-      <a:schemeClr val="dk1"/>
-    </dgm:txFillClrLst>
-    <dgm:txEffectClrLst/>
-  </dgm:styleLbl>
-  <dgm:styleLbl name="dkBgShp">
-    <dgm:fillClrLst meth="repeat">
-      <a:schemeClr val="accent5">
-        <a:shade val="90000"/>
-      </a:schemeClr>
-    </dgm:fillClrLst>
-    <dgm:linClrLst meth="repeat">
-      <a:schemeClr val="dk1"/>
-    </dgm:linClrLst>
-    <dgm:effectClrLst/>
-    <dgm:txLinClrLst/>
-    <dgm:txFillClrLst meth="repeat">
-      <a:schemeClr val="lt1"/>
-    </dgm:txFillClrLst>
-    <dgm:txEffectClrLst/>
-  </dgm:styleLbl>
-  <dgm:styleLbl name="trBgShp">
-    <dgm:fillClrLst meth="repeat">
-      <a:schemeClr val="accent5">
-        <a:tint val="50000"/>
-        <a:alpha val="40000"/>
-      </a:schemeClr>
-    </dgm:fillClrLst>
-    <dgm:linClrLst meth="repeat">
-      <a:schemeClr val="accent5"/>
-    </dgm:linClrLst>
-    <dgm:effectClrLst/>
-    <dgm:txLinClrLst/>
-    <dgm:txFillClrLst meth="repeat">
-      <a:schemeClr val="lt1"/>
-    </dgm:txFillClrLst>
-    <dgm:txEffectClrLst/>
-  </dgm:styleLbl>
-  <dgm:styleLbl name="fgShp">
-    <dgm:fillClrLst meth="repeat">
-      <a:schemeClr val="accent5">
-        <a:tint val="40000"/>
-      </a:schemeClr>
-    </dgm:fillClrLst>
-    <dgm:linClrLst meth="repeat">
-      <a:schemeClr val="lt1"/>
-    </dgm:linClrLst>
-    <dgm:effectClrLst/>
-    <dgm:txLinClrLst/>
-    <dgm:txFillClrLst meth="repeat">
-      <a:schemeClr val="dk1"/>
-    </dgm:txFillClrLst>
-    <dgm:txEffectClrLst/>
-  </dgm:styleLbl>
-  <dgm:styleLbl name="revTx">
-    <dgm:fillClrLst meth="repeat">
-      <a:schemeClr val="lt1">
-        <a:alpha val="0"/>
-      </a:schemeClr>
-    </dgm:fillClrLst>
-    <dgm:linClrLst meth="repeat">
-      <a:schemeClr val="dk1">
-        <a:alpha val="0"/>
-      </a:schemeClr>
-    </dgm:linClrLst>
-    <dgm:effectClrLst/>
-    <dgm:txLinClrLst/>
-    <dgm:txFillClrLst meth="repeat">
-      <a:schemeClr val="tx1"/>
-    </dgm:txFillClrLst>
-    <dgm:txEffectClrLst/>
-  </dgm:styleLbl>
-</dgm:colorsDef>
-</file>
-
-<file path=ppt/diagrams/colors5.xml><?xml version="1.0" encoding="utf-8"?>
 <dgm:colorsDef xmlns:dgm="http://schemas.openxmlformats.org/drawingml/2006/diagram" xmlns:a="http://schemas.openxmlformats.org/drawingml/2006/main" uniqueId="urn:microsoft.com/office/officeart/2005/8/colors/colorful5">
   <dgm:title val=""/>
   <dgm:desc val=""/>
@@ -4182,7 +3399,7 @@
         <a:p>
           <a:r>
             <a:rPr lang="en-US" dirty="0"/>
-            <a:t>Preprocessing</a:t>
+            <a:t>Mining Goals</a:t>
           </a:r>
         </a:p>
       </dgm:t>
@@ -4350,7 +3567,7 @@
         <a:p>
           <a:r>
             <a:rPr lang="en-US" dirty="0"/>
-            <a:t>Mining Goals</a:t>
+            <a:t>Data Collection</a:t>
           </a:r>
         </a:p>
       </dgm:t>
@@ -4460,174 +3677,6 @@
 </file>
 
 <file path=ppt/diagrams/data4.xml><?xml version="1.0" encoding="utf-8"?>
-<dgm:dataModel xmlns:dgm="http://schemas.openxmlformats.org/drawingml/2006/diagram" xmlns:a="http://schemas.openxmlformats.org/drawingml/2006/main">
-  <dgm:ptLst>
-    <dgm:pt modelId="{07910B02-E01B-458B-B30F-00240AEF68CE}" type="doc">
-      <dgm:prSet loTypeId="urn:microsoft.com/office/officeart/2005/8/layout/StepDownProcess" loCatId="process" qsTypeId="urn:microsoft.com/office/officeart/2005/8/quickstyle/simple5" qsCatId="simple" csTypeId="urn:microsoft.com/office/officeart/2005/8/colors/colorful5" csCatId="colorful" phldr="1"/>
-      <dgm:spPr/>
-      <dgm:t>
-        <a:bodyPr/>
-        <a:lstStyle/>
-        <a:p>
-          <a:endParaRPr lang="en-US"/>
-        </a:p>
-      </dgm:t>
-    </dgm:pt>
-    <dgm:pt modelId="{D84C281F-7AB8-4BEE-AD36-836C3F2E61B8}">
-      <dgm:prSet phldrT="[Text]"/>
-      <dgm:spPr/>
-      <dgm:t>
-        <a:bodyPr/>
-        <a:lstStyle/>
-        <a:p>
-          <a:r>
-            <a:rPr lang="en-US" dirty="0"/>
-            <a:t>Trajectory Data Mining</a:t>
-          </a:r>
-        </a:p>
-      </dgm:t>
-    </dgm:pt>
-    <dgm:pt modelId="{840EFB47-9B32-4A4A-BE89-2A94A893AE41}" type="parTrans" cxnId="{9C0E7AD4-5791-4BC0-A010-F345E1CF7C33}">
-      <dgm:prSet/>
-      <dgm:spPr/>
-      <dgm:t>
-        <a:bodyPr/>
-        <a:lstStyle/>
-        <a:p>
-          <a:endParaRPr lang="en-US"/>
-        </a:p>
-      </dgm:t>
-    </dgm:pt>
-    <dgm:pt modelId="{AA2534F1-B5B2-4847-8A48-4A00682873EB}" type="sibTrans" cxnId="{9C0E7AD4-5791-4BC0-A010-F345E1CF7C33}">
-      <dgm:prSet/>
-      <dgm:spPr/>
-      <dgm:t>
-        <a:bodyPr/>
-        <a:lstStyle/>
-        <a:p>
-          <a:endParaRPr lang="en-US"/>
-        </a:p>
-      </dgm:t>
-    </dgm:pt>
-    <dgm:pt modelId="{6E1BE379-BCC3-487E-9ECA-2DA83F47D79F}">
-      <dgm:prSet phldrT="[Text]"/>
-      <dgm:spPr/>
-      <dgm:t>
-        <a:bodyPr/>
-        <a:lstStyle/>
-        <a:p>
-          <a:r>
-            <a:rPr lang="en-US" dirty="0"/>
-            <a:t>Data Collection</a:t>
-          </a:r>
-        </a:p>
-      </dgm:t>
-    </dgm:pt>
-    <dgm:pt modelId="{174B2ED3-AA19-4DE9-9FA0-A249C1A00F7C}" type="parTrans" cxnId="{5CC5F080-B7D0-46A0-A3E4-A9E90D8759C3}">
-      <dgm:prSet/>
-      <dgm:spPr/>
-      <dgm:t>
-        <a:bodyPr/>
-        <a:lstStyle/>
-        <a:p>
-          <a:endParaRPr lang="en-US"/>
-        </a:p>
-      </dgm:t>
-    </dgm:pt>
-    <dgm:pt modelId="{C54D36F0-A95B-4827-8FDB-4DB264109356}" type="sibTrans" cxnId="{5CC5F080-B7D0-46A0-A3E4-A9E90D8759C3}">
-      <dgm:prSet/>
-      <dgm:spPr/>
-      <dgm:t>
-        <a:bodyPr/>
-        <a:lstStyle/>
-        <a:p>
-          <a:endParaRPr lang="en-US"/>
-        </a:p>
-      </dgm:t>
-    </dgm:pt>
-    <dgm:pt modelId="{A2A00513-D506-44E0-ABD0-1CEEDA6B605E}" type="pres">
-      <dgm:prSet presAssocID="{07910B02-E01B-458B-B30F-00240AEF68CE}" presName="rootnode" presStyleCnt="0">
-        <dgm:presLayoutVars>
-          <dgm:chMax/>
-          <dgm:chPref/>
-          <dgm:dir/>
-          <dgm:animLvl val="lvl"/>
-        </dgm:presLayoutVars>
-      </dgm:prSet>
-      <dgm:spPr/>
-    </dgm:pt>
-    <dgm:pt modelId="{C9C8BA9E-3316-4C14-9DE3-46144D9F5D82}" type="pres">
-      <dgm:prSet presAssocID="{D84C281F-7AB8-4BEE-AD36-836C3F2E61B8}" presName="composite" presStyleCnt="0"/>
-      <dgm:spPr/>
-    </dgm:pt>
-    <dgm:pt modelId="{DCAABA4E-D06D-4526-BB50-81DC027222E8}" type="pres">
-      <dgm:prSet presAssocID="{D84C281F-7AB8-4BEE-AD36-836C3F2E61B8}" presName="bentUpArrow1" presStyleLbl="alignImgPlace1" presStyleIdx="0" presStyleCnt="1"/>
-      <dgm:spPr/>
-    </dgm:pt>
-    <dgm:pt modelId="{F8A346B8-36EB-4E5C-96F6-3A5A69A75BAC}" type="pres">
-      <dgm:prSet presAssocID="{D84C281F-7AB8-4BEE-AD36-836C3F2E61B8}" presName="ParentText" presStyleLbl="node1" presStyleIdx="0" presStyleCnt="2" custScaleX="307009">
-        <dgm:presLayoutVars>
-          <dgm:chMax val="1"/>
-          <dgm:chPref val="1"/>
-          <dgm:bulletEnabled val="1"/>
-        </dgm:presLayoutVars>
-      </dgm:prSet>
-      <dgm:spPr/>
-    </dgm:pt>
-    <dgm:pt modelId="{E9E9F6B6-B1A7-49C1-969B-14157E8C3648}" type="pres">
-      <dgm:prSet presAssocID="{D84C281F-7AB8-4BEE-AD36-836C3F2E61B8}" presName="ChildText" presStyleLbl="revTx" presStyleIdx="0" presStyleCnt="1">
-        <dgm:presLayoutVars>
-          <dgm:chMax val="0"/>
-          <dgm:chPref val="0"/>
-          <dgm:bulletEnabled val="1"/>
-        </dgm:presLayoutVars>
-      </dgm:prSet>
-      <dgm:spPr/>
-    </dgm:pt>
-    <dgm:pt modelId="{9AA7E19E-9673-4E5C-98F7-D633601E2644}" type="pres">
-      <dgm:prSet presAssocID="{AA2534F1-B5B2-4847-8A48-4A00682873EB}" presName="sibTrans" presStyleCnt="0"/>
-      <dgm:spPr/>
-    </dgm:pt>
-    <dgm:pt modelId="{CDD0203E-7BEC-44B3-B9DA-5D43759236E8}" type="pres">
-      <dgm:prSet presAssocID="{6E1BE379-BCC3-487E-9ECA-2DA83F47D79F}" presName="composite" presStyleCnt="0"/>
-      <dgm:spPr/>
-    </dgm:pt>
-    <dgm:pt modelId="{8C6ADA3F-2258-47A3-960A-DCCE8774640D}" type="pres">
-      <dgm:prSet presAssocID="{6E1BE379-BCC3-487E-9ECA-2DA83F47D79F}" presName="ParentText" presStyleLbl="node1" presStyleIdx="1" presStyleCnt="2" custScaleX="302333" custLinFactNeighborX="37072" custLinFactNeighborY="1863">
-        <dgm:presLayoutVars>
-          <dgm:chMax val="1"/>
-          <dgm:chPref val="1"/>
-          <dgm:bulletEnabled val="1"/>
-        </dgm:presLayoutVars>
-      </dgm:prSet>
-      <dgm:spPr/>
-    </dgm:pt>
-  </dgm:ptLst>
-  <dgm:cxnLst>
-    <dgm:cxn modelId="{19950F1E-5DF3-4153-A518-216D8D2D89D5}" type="presOf" srcId="{6E1BE379-BCC3-487E-9ECA-2DA83F47D79F}" destId="{8C6ADA3F-2258-47A3-960A-DCCE8774640D}" srcOrd="0" destOrd="0" presId="urn:microsoft.com/office/officeart/2005/8/layout/StepDownProcess"/>
-    <dgm:cxn modelId="{86B39921-7B59-45E3-A300-2E7532DF2A89}" type="presOf" srcId="{07910B02-E01B-458B-B30F-00240AEF68CE}" destId="{A2A00513-D506-44E0-ABD0-1CEEDA6B605E}" srcOrd="0" destOrd="0" presId="urn:microsoft.com/office/officeart/2005/8/layout/StepDownProcess"/>
-    <dgm:cxn modelId="{D59AE95A-B804-4037-A21A-2C0BA9ADCF21}" type="presOf" srcId="{D84C281F-7AB8-4BEE-AD36-836C3F2E61B8}" destId="{F8A346B8-36EB-4E5C-96F6-3A5A69A75BAC}" srcOrd="0" destOrd="0" presId="urn:microsoft.com/office/officeart/2005/8/layout/StepDownProcess"/>
-    <dgm:cxn modelId="{5CC5F080-B7D0-46A0-A3E4-A9E90D8759C3}" srcId="{07910B02-E01B-458B-B30F-00240AEF68CE}" destId="{6E1BE379-BCC3-487E-9ECA-2DA83F47D79F}" srcOrd="1" destOrd="0" parTransId="{174B2ED3-AA19-4DE9-9FA0-A249C1A00F7C}" sibTransId="{C54D36F0-A95B-4827-8FDB-4DB264109356}"/>
-    <dgm:cxn modelId="{9C0E7AD4-5791-4BC0-A010-F345E1CF7C33}" srcId="{07910B02-E01B-458B-B30F-00240AEF68CE}" destId="{D84C281F-7AB8-4BEE-AD36-836C3F2E61B8}" srcOrd="0" destOrd="0" parTransId="{840EFB47-9B32-4A4A-BE89-2A94A893AE41}" sibTransId="{AA2534F1-B5B2-4847-8A48-4A00682873EB}"/>
-    <dgm:cxn modelId="{7B4FD95C-70AE-4390-B78A-BB5CB0A7FB76}" type="presParOf" srcId="{A2A00513-D506-44E0-ABD0-1CEEDA6B605E}" destId="{C9C8BA9E-3316-4C14-9DE3-46144D9F5D82}" srcOrd="0" destOrd="0" presId="urn:microsoft.com/office/officeart/2005/8/layout/StepDownProcess"/>
-    <dgm:cxn modelId="{8A598174-E22F-4797-A0DF-4ADE3A19CB84}" type="presParOf" srcId="{C9C8BA9E-3316-4C14-9DE3-46144D9F5D82}" destId="{DCAABA4E-D06D-4526-BB50-81DC027222E8}" srcOrd="0" destOrd="0" presId="urn:microsoft.com/office/officeart/2005/8/layout/StepDownProcess"/>
-    <dgm:cxn modelId="{3ABF0CBC-F0FC-4D60-ADD3-A2F81AC3AEC7}" type="presParOf" srcId="{C9C8BA9E-3316-4C14-9DE3-46144D9F5D82}" destId="{F8A346B8-36EB-4E5C-96F6-3A5A69A75BAC}" srcOrd="1" destOrd="0" presId="urn:microsoft.com/office/officeart/2005/8/layout/StepDownProcess"/>
-    <dgm:cxn modelId="{4CD34316-8207-4790-BF68-34150B012678}" type="presParOf" srcId="{C9C8BA9E-3316-4C14-9DE3-46144D9F5D82}" destId="{E9E9F6B6-B1A7-49C1-969B-14157E8C3648}" srcOrd="2" destOrd="0" presId="urn:microsoft.com/office/officeart/2005/8/layout/StepDownProcess"/>
-    <dgm:cxn modelId="{F50A08B6-DC6F-4013-AFB8-443CE291F517}" type="presParOf" srcId="{A2A00513-D506-44E0-ABD0-1CEEDA6B605E}" destId="{9AA7E19E-9673-4E5C-98F7-D633601E2644}" srcOrd="1" destOrd="0" presId="urn:microsoft.com/office/officeart/2005/8/layout/StepDownProcess"/>
-    <dgm:cxn modelId="{8D1E9F0F-21D9-4A8C-BCA8-F90CFDAF2C5D}" type="presParOf" srcId="{A2A00513-D506-44E0-ABD0-1CEEDA6B605E}" destId="{CDD0203E-7BEC-44B3-B9DA-5D43759236E8}" srcOrd="2" destOrd="0" presId="urn:microsoft.com/office/officeart/2005/8/layout/StepDownProcess"/>
-    <dgm:cxn modelId="{61A6A0FC-ABEC-4420-88E2-DB6401D274D8}" type="presParOf" srcId="{CDD0203E-7BEC-44B3-B9DA-5D43759236E8}" destId="{8C6ADA3F-2258-47A3-960A-DCCE8774640D}" srcOrd="0" destOrd="0" presId="urn:microsoft.com/office/officeart/2005/8/layout/StepDownProcess"/>
-  </dgm:cxnLst>
-  <dgm:bg/>
-  <dgm:whole/>
-  <dgm:extLst>
-    <a:ext uri="http://schemas.microsoft.com/office/drawing/2008/diagram">
-      <dsp:dataModelExt xmlns:dsp="http://schemas.microsoft.com/office/drawing/2008/diagram" relId="rId6" minVer="http://schemas.openxmlformats.org/drawingml/2006/diagram"/>
-    </a:ext>
-  </dgm:extLst>
-</dgm:dataModel>
-</file>
-
-<file path=ppt/diagrams/data5.xml><?xml version="1.0" encoding="utf-8"?>
 <dgm:dataModel xmlns:dgm="http://schemas.openxmlformats.org/drawingml/2006/diagram" xmlns:a="http://schemas.openxmlformats.org/drawingml/2006/main">
   <dgm:ptLst>
     <dgm:pt modelId="{07910B02-E01B-458B-B30F-00240AEF68CE}" type="doc">
@@ -5209,7 +4258,7 @@
           </a:pPr>
           <a:r>
             <a:rPr lang="en-US" sz="2700" kern="1200" dirty="0"/>
-            <a:t>Preprocessing</a:t>
+            <a:t>Mining Goals</a:t>
           </a:r>
         </a:p>
       </dsp:txBody>
@@ -5517,7 +4566,7 @@
           </a:pPr>
           <a:r>
             <a:rPr lang="en-US" sz="2700" kern="1200" dirty="0"/>
-            <a:t>Mining Goals</a:t>
+            <a:t>Data Collection</a:t>
           </a:r>
         </a:p>
       </dsp:txBody>
@@ -5531,314 +4580,6 @@
 </file>
 
 <file path=ppt/diagrams/drawing4.xml><?xml version="1.0" encoding="utf-8"?>
-<dsp:drawing xmlns:dgm="http://schemas.openxmlformats.org/drawingml/2006/diagram" xmlns:dsp="http://schemas.microsoft.com/office/drawing/2008/diagram" xmlns:a="http://schemas.openxmlformats.org/drawingml/2006/main">
-  <dsp:spTree>
-    <dsp:nvGrpSpPr>
-      <dsp:cNvPr id="0" name=""/>
-      <dsp:cNvGrpSpPr/>
-    </dsp:nvGrpSpPr>
-    <dsp:grpSpPr/>
-    <dsp:sp modelId="{DCAABA4E-D06D-4526-BB50-81DC027222E8}">
-      <dsp:nvSpPr>
-        <dsp:cNvPr id="0" name=""/>
-        <dsp:cNvSpPr/>
-      </dsp:nvSpPr>
-      <dsp:spPr>
-        <a:xfrm rot="5400000">
-          <a:off x="2283428" y="787993"/>
-          <a:ext cx="704714" cy="802292"/>
-        </a:xfrm>
-        <a:prstGeom prst="bentUpArrow">
-          <a:avLst>
-            <a:gd name="adj1" fmla="val 32840"/>
-            <a:gd name="adj2" fmla="val 25000"/>
-            <a:gd name="adj3" fmla="val 35780"/>
-          </a:avLst>
-        </a:prstGeom>
-        <a:solidFill>
-          <a:schemeClr val="accent5">
-            <a:tint val="50000"/>
-            <a:hueOff val="0"/>
-            <a:satOff val="0"/>
-            <a:lumOff val="0"/>
-            <a:alphaOff val="0"/>
-          </a:schemeClr>
-        </a:solidFill>
-        <a:ln>
-          <a:noFill/>
-        </a:ln>
-        <a:effectLst>
-          <a:outerShdw blurRad="57150" dist="19050" dir="5400000" algn="ctr" rotWithShape="0">
-            <a:srgbClr val="000000">
-              <a:alpha val="63000"/>
-            </a:srgbClr>
-          </a:outerShdw>
-        </a:effectLst>
-      </dsp:spPr>
-      <dsp:style>
-        <a:lnRef idx="0">
-          <a:scrgbClr r="0" g="0" b="0"/>
-        </a:lnRef>
-        <a:fillRef idx="1">
-          <a:scrgbClr r="0" g="0" b="0"/>
-        </a:fillRef>
-        <a:effectRef idx="3">
-          <a:scrgbClr r="0" g="0" b="0"/>
-        </a:effectRef>
-        <a:fontRef idx="minor"/>
-      </dsp:style>
-    </dsp:sp>
-    <dsp:sp modelId="{F8A346B8-36EB-4E5C-96F6-3A5A69A75BAC}">
-      <dsp:nvSpPr>
-        <dsp:cNvPr id="0" name=""/>
-        <dsp:cNvSpPr/>
-      </dsp:nvSpPr>
-      <dsp:spPr>
-        <a:xfrm>
-          <a:off x="868822" y="6803"/>
-          <a:ext cx="3642124" cy="830388"/>
-        </a:xfrm>
-        <a:prstGeom prst="roundRect">
-          <a:avLst>
-            <a:gd name="adj" fmla="val 16670"/>
-          </a:avLst>
-        </a:prstGeom>
-        <a:gradFill rotWithShape="0">
-          <a:gsLst>
-            <a:gs pos="0">
-              <a:schemeClr val="accent5">
-                <a:hueOff val="0"/>
-                <a:satOff val="0"/>
-                <a:lumOff val="0"/>
-                <a:alphaOff val="0"/>
-                <a:satMod val="103000"/>
-                <a:lumMod val="102000"/>
-                <a:tint val="94000"/>
-              </a:schemeClr>
-            </a:gs>
-            <a:gs pos="50000">
-              <a:schemeClr val="accent5">
-                <a:hueOff val="0"/>
-                <a:satOff val="0"/>
-                <a:lumOff val="0"/>
-                <a:alphaOff val="0"/>
-                <a:satMod val="110000"/>
-                <a:lumMod val="100000"/>
-                <a:shade val="100000"/>
-              </a:schemeClr>
-            </a:gs>
-            <a:gs pos="100000">
-              <a:schemeClr val="accent5">
-                <a:hueOff val="0"/>
-                <a:satOff val="0"/>
-                <a:lumOff val="0"/>
-                <a:alphaOff val="0"/>
-                <a:lumMod val="99000"/>
-                <a:satMod val="120000"/>
-                <a:shade val="78000"/>
-              </a:schemeClr>
-            </a:gs>
-          </a:gsLst>
-          <a:lin ang="5400000" scaled="0"/>
-        </a:gradFill>
-        <a:ln>
-          <a:noFill/>
-        </a:ln>
-        <a:effectLst>
-          <a:outerShdw blurRad="57150" dist="19050" dir="5400000" algn="ctr" rotWithShape="0">
-            <a:srgbClr val="000000">
-              <a:alpha val="63000"/>
-            </a:srgbClr>
-          </a:outerShdw>
-        </a:effectLst>
-      </dsp:spPr>
-      <dsp:style>
-        <a:lnRef idx="0">
-          <a:scrgbClr r="0" g="0" b="0"/>
-        </a:lnRef>
-        <a:fillRef idx="3">
-          <a:scrgbClr r="0" g="0" b="0"/>
-        </a:fillRef>
-        <a:effectRef idx="3">
-          <a:scrgbClr r="0" g="0" b="0"/>
-        </a:effectRef>
-        <a:fontRef idx="minor">
-          <a:schemeClr val="lt1"/>
-        </a:fontRef>
-      </dsp:style>
-      <dsp:txBody>
-        <a:bodyPr spcFirstLastPara="0" vert="horz" wrap="square" lIns="102870" tIns="102870" rIns="102870" bIns="102870" numCol="1" spcCol="1270" anchor="ctr" anchorCtr="0">
-          <a:noAutofit/>
-        </a:bodyPr>
-        <a:lstStyle/>
-        <a:p>
-          <a:pPr marL="0" lvl="0" indent="0" algn="ctr" defTabSz="1200150">
-            <a:lnSpc>
-              <a:spcPct val="90000"/>
-            </a:lnSpc>
-            <a:spcBef>
-              <a:spcPct val="0"/>
-            </a:spcBef>
-            <a:spcAft>
-              <a:spcPct val="35000"/>
-            </a:spcAft>
-            <a:buNone/>
-          </a:pPr>
-          <a:r>
-            <a:rPr lang="en-US" sz="2700" kern="1200" dirty="0"/>
-            <a:t>Trajectory Data Mining</a:t>
-          </a:r>
-        </a:p>
-      </dsp:txBody>
-      <dsp:txXfrm>
-        <a:off x="909365" y="47346"/>
-        <a:ext cx="3561038" cy="749302"/>
-      </dsp:txXfrm>
-    </dsp:sp>
-    <dsp:sp modelId="{E9E9F6B6-B1A7-49C1-969B-14157E8C3648}">
-      <dsp:nvSpPr>
-        <dsp:cNvPr id="0" name=""/>
-        <dsp:cNvSpPr/>
-      </dsp:nvSpPr>
-      <dsp:spPr>
-        <a:xfrm>
-          <a:off x="3283046" y="85999"/>
-          <a:ext cx="862819" cy="671156"/>
-        </a:xfrm>
-        <a:prstGeom prst="rect">
-          <a:avLst/>
-        </a:prstGeom>
-        <a:noFill/>
-        <a:ln>
-          <a:noFill/>
-        </a:ln>
-        <a:effectLst/>
-      </dsp:spPr>
-      <dsp:style>
-        <a:lnRef idx="0">
-          <a:scrgbClr r="0" g="0" b="0"/>
-        </a:lnRef>
-        <a:fillRef idx="0">
-          <a:scrgbClr r="0" g="0" b="0"/>
-        </a:fillRef>
-        <a:effectRef idx="0">
-          <a:scrgbClr r="0" g="0" b="0"/>
-        </a:effectRef>
-        <a:fontRef idx="minor"/>
-      </dsp:style>
-    </dsp:sp>
-    <dsp:sp modelId="{8C6ADA3F-2258-47A3-960A-DCCE8774640D}">
-      <dsp:nvSpPr>
-        <dsp:cNvPr id="0" name=""/>
-        <dsp:cNvSpPr/>
-      </dsp:nvSpPr>
-      <dsp:spPr>
-        <a:xfrm>
-          <a:off x="3056836" y="946407"/>
-          <a:ext cx="3586651" cy="830388"/>
-        </a:xfrm>
-        <a:prstGeom prst="roundRect">
-          <a:avLst>
-            <a:gd name="adj" fmla="val 16670"/>
-          </a:avLst>
-        </a:prstGeom>
-        <a:gradFill rotWithShape="0">
-          <a:gsLst>
-            <a:gs pos="0">
-              <a:schemeClr val="accent5">
-                <a:hueOff val="-6758543"/>
-                <a:satOff val="-17419"/>
-                <a:lumOff val="-11765"/>
-                <a:alphaOff val="0"/>
-                <a:satMod val="103000"/>
-                <a:lumMod val="102000"/>
-                <a:tint val="94000"/>
-              </a:schemeClr>
-            </a:gs>
-            <a:gs pos="50000">
-              <a:schemeClr val="accent5">
-                <a:hueOff val="-6758543"/>
-                <a:satOff val="-17419"/>
-                <a:lumOff val="-11765"/>
-                <a:alphaOff val="0"/>
-                <a:satMod val="110000"/>
-                <a:lumMod val="100000"/>
-                <a:shade val="100000"/>
-              </a:schemeClr>
-            </a:gs>
-            <a:gs pos="100000">
-              <a:schemeClr val="accent5">
-                <a:hueOff val="-6758543"/>
-                <a:satOff val="-17419"/>
-                <a:lumOff val="-11765"/>
-                <a:alphaOff val="0"/>
-                <a:lumMod val="99000"/>
-                <a:satMod val="120000"/>
-                <a:shade val="78000"/>
-              </a:schemeClr>
-            </a:gs>
-          </a:gsLst>
-          <a:lin ang="5400000" scaled="0"/>
-        </a:gradFill>
-        <a:ln>
-          <a:noFill/>
-        </a:ln>
-        <a:effectLst>
-          <a:outerShdw blurRad="57150" dist="19050" dir="5400000" algn="ctr" rotWithShape="0">
-            <a:srgbClr val="000000">
-              <a:alpha val="63000"/>
-            </a:srgbClr>
-          </a:outerShdw>
-        </a:effectLst>
-      </dsp:spPr>
-      <dsp:style>
-        <a:lnRef idx="0">
-          <a:scrgbClr r="0" g="0" b="0"/>
-        </a:lnRef>
-        <a:fillRef idx="3">
-          <a:scrgbClr r="0" g="0" b="0"/>
-        </a:fillRef>
-        <a:effectRef idx="3">
-          <a:scrgbClr r="0" g="0" b="0"/>
-        </a:effectRef>
-        <a:fontRef idx="minor">
-          <a:schemeClr val="lt1"/>
-        </a:fontRef>
-      </dsp:style>
-      <dsp:txBody>
-        <a:bodyPr spcFirstLastPara="0" vert="horz" wrap="square" lIns="102870" tIns="102870" rIns="102870" bIns="102870" numCol="1" spcCol="1270" anchor="ctr" anchorCtr="0">
-          <a:noAutofit/>
-        </a:bodyPr>
-        <a:lstStyle/>
-        <a:p>
-          <a:pPr marL="0" lvl="0" indent="0" algn="ctr" defTabSz="1200150">
-            <a:lnSpc>
-              <a:spcPct val="90000"/>
-            </a:lnSpc>
-            <a:spcBef>
-              <a:spcPct val="0"/>
-            </a:spcBef>
-            <a:spcAft>
-              <a:spcPct val="35000"/>
-            </a:spcAft>
-            <a:buNone/>
-          </a:pPr>
-          <a:r>
-            <a:rPr lang="en-US" sz="2700" kern="1200" dirty="0"/>
-            <a:t>Data Collection</a:t>
-          </a:r>
-        </a:p>
-      </dsp:txBody>
-      <dsp:txXfrm>
-        <a:off x="3097379" y="986950"/>
-        <a:ext cx="3505565" cy="749302"/>
-      </dsp:txXfrm>
-    </dsp:sp>
-  </dsp:spTree>
-</dsp:drawing>
-</file>
-
-<file path=ppt/diagrams/drawing5.xml><?xml version="1.0" encoding="utf-8"?>
 <dsp:drawing xmlns:dgm="http://schemas.openxmlformats.org/drawingml/2006/diagram" xmlns:dsp="http://schemas.microsoft.com/office/drawing/2008/diagram" xmlns:a="http://schemas.openxmlformats.org/drawingml/2006/main">
   <dsp:spTree>
     <dsp:nvGrpSpPr>
@@ -7418,324 +6159,6 @@
 </dgm:layoutDef>
 </file>
 
-<file path=ppt/diagrams/layout5.xml><?xml version="1.0" encoding="utf-8"?>
-<dgm:layoutDef xmlns:dgm="http://schemas.openxmlformats.org/drawingml/2006/diagram" xmlns:a="http://schemas.openxmlformats.org/drawingml/2006/main" uniqueId="urn:microsoft.com/office/officeart/2005/8/layout/StepDownProcess">
-  <dgm:title val=""/>
-  <dgm:desc val=""/>
-  <dgm:catLst>
-    <dgm:cat type="process" pri="1600"/>
-  </dgm:catLst>
-  <dgm:sampData>
-    <dgm:dataModel>
-      <dgm:ptLst>
-        <dgm:pt modelId="0" type="doc"/>
-        <dgm:pt modelId="10">
-          <dgm:prSet phldr="1"/>
-        </dgm:pt>
-        <dgm:pt modelId="11">
-          <dgm:prSet phldr="1"/>
-        </dgm:pt>
-        <dgm:pt modelId="20">
-          <dgm:prSet phldr="1"/>
-        </dgm:pt>
-        <dgm:pt modelId="21">
-          <dgm:prSet phldr="1"/>
-        </dgm:pt>
-        <dgm:pt modelId="30">
-          <dgm:prSet phldr="1"/>
-        </dgm:pt>
-        <dgm:pt modelId="31">
-          <dgm:prSet phldr="1"/>
-        </dgm:pt>
-      </dgm:ptLst>
-      <dgm:cxnLst>
-        <dgm:cxn modelId="60" srcId="0" destId="10" srcOrd="0" destOrd="0"/>
-        <dgm:cxn modelId="12" srcId="10" destId="11" srcOrd="0" destOrd="0"/>
-        <dgm:cxn modelId="70" srcId="0" destId="20" srcOrd="1" destOrd="0"/>
-        <dgm:cxn modelId="22" srcId="20" destId="21" srcOrd="0" destOrd="0"/>
-        <dgm:cxn modelId="80" srcId="0" destId="30" srcOrd="2" destOrd="0"/>
-        <dgm:cxn modelId="32" srcId="30" destId="31" srcOrd="0" destOrd="0"/>
-      </dgm:cxnLst>
-      <dgm:bg/>
-      <dgm:whole/>
-    </dgm:dataModel>
-  </dgm:sampData>
-  <dgm:styleData>
-    <dgm:dataModel>
-      <dgm:ptLst>
-        <dgm:pt modelId="0" type="doc"/>
-        <dgm:pt modelId="10">
-          <dgm:prSet phldr="1"/>
-        </dgm:pt>
-        <dgm:pt modelId="20">
-          <dgm:prSet phldr="1"/>
-        </dgm:pt>
-      </dgm:ptLst>
-      <dgm:cxnLst>
-        <dgm:cxn modelId="60" srcId="0" destId="10" srcOrd="0" destOrd="0"/>
-        <dgm:cxn modelId="70" srcId="0" destId="20" srcOrd="1" destOrd="0"/>
-      </dgm:cxnLst>
-      <dgm:bg/>
-      <dgm:whole/>
-    </dgm:dataModel>
-  </dgm:styleData>
-  <dgm:clrData>
-    <dgm:dataModel>
-      <dgm:ptLst>
-        <dgm:pt modelId="0" type="doc"/>
-        <dgm:pt modelId="10">
-          <dgm:prSet phldr="1"/>
-        </dgm:pt>
-        <dgm:pt modelId="20">
-          <dgm:prSet phldr="1"/>
-        </dgm:pt>
-        <dgm:pt modelId="30">
-          <dgm:prSet phldr="1"/>
-        </dgm:pt>
-        <dgm:pt modelId="40">
-          <dgm:prSet phldr="1"/>
-        </dgm:pt>
-      </dgm:ptLst>
-      <dgm:cxnLst>
-        <dgm:cxn modelId="60" srcId="0" destId="10" srcOrd="0" destOrd="0"/>
-        <dgm:cxn modelId="70" srcId="0" destId="20" srcOrd="1" destOrd="0"/>
-        <dgm:cxn modelId="80" srcId="0" destId="30" srcOrd="2" destOrd="0"/>
-        <dgm:cxn modelId="90" srcId="0" destId="40" srcOrd="3" destOrd="0"/>
-      </dgm:cxnLst>
-      <dgm:bg/>
-      <dgm:whole/>
-    </dgm:dataModel>
-  </dgm:clrData>
-  <dgm:layoutNode name="rootnode">
-    <dgm:varLst>
-      <dgm:chMax/>
-      <dgm:chPref/>
-      <dgm:dir/>
-      <dgm:animLvl val="lvl"/>
-    </dgm:varLst>
-    <dgm:choose name="Name0">
-      <dgm:if name="Name1" func="var" arg="dir" op="equ" val="norm">
-        <dgm:alg type="snake">
-          <dgm:param type="grDir" val="tL"/>
-          <dgm:param type="flowDir" val="row"/>
-          <dgm:param type="off" val="off"/>
-          <dgm:param type="bkpt" val="fixed"/>
-          <dgm:param type="bkPtFixedVal" val="1"/>
-        </dgm:alg>
-      </dgm:if>
-      <dgm:else name="Name2">
-        <dgm:alg type="snake">
-          <dgm:param type="grDir" val="tR"/>
-          <dgm:param type="flowDir" val="row"/>
-          <dgm:param type="off" val="off"/>
-          <dgm:param type="bkpt" val="fixed"/>
-          <dgm:param type="bkPtFixedVal" val="1"/>
-        </dgm:alg>
-      </dgm:else>
-    </dgm:choose>
-    <dgm:shape xmlns:r="http://schemas.openxmlformats.org/officeDocument/2006/relationships" r:blip="">
-      <dgm:adjLst/>
-    </dgm:shape>
-    <dgm:choose name="Name3">
-      <dgm:if name="Name4" func="var" arg="dir" op="equ" val="norm">
-        <dgm:constrLst>
-          <dgm:constr type="alignOff" forName="rootnode" val="0.48"/>
-          <dgm:constr type="primFontSz" for="des" forName="ParentText" val="65"/>
-          <dgm:constr type="primFontSz" for="des" forName="ChildText" refType="primFontSz" refFor="des" refForName="ParentText" op="lte"/>
-          <dgm:constr type="w" for="ch" forName="composite" refType="w"/>
-          <dgm:constr type="h" for="ch" forName="composite" refType="h"/>
-          <dgm:constr type="sp" refType="h" refFor="ch" refForName="composite" op="equ" fact="-0.38"/>
-        </dgm:constrLst>
-      </dgm:if>
-      <dgm:else name="Name5">
-        <dgm:constrLst>
-          <dgm:constr type="alignOff" forName="rootnode" val="0.48"/>
-          <dgm:constr type="primFontSz" for="des" forName="ParentText" val="65"/>
-          <dgm:constr type="primFontSz" for="des" forName="ChildText" refType="primFontSz" refFor="des" refForName="ParentText" op="lte"/>
-          <dgm:constr type="w" for="ch" forName="composite" refType="w"/>
-          <dgm:constr type="h" for="ch" forName="composite" refType="h"/>
-          <dgm:constr type="sp" refType="h" refFor="ch" refForName="composite" op="equ" fact="-0.38"/>
-        </dgm:constrLst>
-      </dgm:else>
-    </dgm:choose>
-    <dgm:forEach name="nodesForEach" axis="ch" ptType="node">
-      <dgm:layoutNode name="composite">
-        <dgm:alg type="composite">
-          <dgm:param type="ar" val="1.2439"/>
-        </dgm:alg>
-        <dgm:shape xmlns:r="http://schemas.openxmlformats.org/officeDocument/2006/relationships" r:blip="">
-          <dgm:adjLst/>
-        </dgm:shape>
-        <dgm:choose name="Name6">
-          <dgm:if name="Name7" func="var" arg="dir" op="equ" val="norm">
-            <dgm:constrLst>
-              <dgm:constr type="l" for="ch" forName="bentUpArrow1" refType="w" fact="0.07"/>
-              <dgm:constr type="t" for="ch" forName="bentUpArrow1" refType="h" fact="0.524"/>
-              <dgm:constr type="w" for="ch" forName="bentUpArrow1" refType="w" fact="0.3844"/>
-              <dgm:constr type="h" for="ch" forName="bentUpArrow1" refType="h" fact="0.42"/>
-              <dgm:constr type="l" for="ch" forName="ParentText" refType="w" fact="0"/>
-              <dgm:constr type="t" for="ch" forName="ParentText" refType="h" fact="0"/>
-              <dgm:constr type="w" for="ch" forName="ParentText" refType="w" fact="0.5684"/>
-              <dgm:constr type="h" for="ch" forName="ParentText" refType="h" fact="0.4949"/>
-              <dgm:constr type="l" for="ch" forName="ChildText" refType="w" refFor="ch" refForName="ParentText"/>
-              <dgm:constr type="t" for="ch" forName="ChildText" refType="h" fact="0.05"/>
-              <dgm:constr type="w" for="ch" forName="ChildText" refType="w" fact="0.4134"/>
-              <dgm:constr type="h" for="ch" forName="ChildText" refType="h" fact="0.4"/>
-              <dgm:constr type="l" for="ch" forName="FinalChildText" refType="w" refFor="ch" refForName="ParentText"/>
-              <dgm:constr type="t" for="ch" forName="FinalChildText" refType="h" fact="0.05"/>
-              <dgm:constr type="w" for="ch" forName="FinalChildText" refType="w" fact="0.4134"/>
-              <dgm:constr type="h" for="ch" forName="FinalChildText" refType="h" fact="0.4"/>
-            </dgm:constrLst>
-          </dgm:if>
-          <dgm:else name="Name8">
-            <dgm:constrLst>
-              <dgm:constr type="r" for="ch" forName="bentUpArrow1" refType="w" fact="0.97"/>
-              <dgm:constr type="t" for="ch" forName="bentUpArrow1" refType="h" fact="0.524"/>
-              <dgm:constr type="w" for="ch" forName="bentUpArrow1" refType="w" fact="0.3844"/>
-              <dgm:constr type="h" for="ch" forName="bentUpArrow1" refType="h" fact="0.42"/>
-              <dgm:constr type="l" for="ch" forName="ParentText" refType="w" fact="0.4316"/>
-              <dgm:constr type="t" for="ch" forName="ParentText" refType="h" fact="0"/>
-              <dgm:constr type="w" for="ch" forName="ParentText" refType="w" fact="0.5684"/>
-              <dgm:constr type="h" for="ch" forName="ParentText" refType="h" fact="0.4949"/>
-              <dgm:constr type="l" for="ch" forName="ChildText" refType="w" fact="0"/>
-              <dgm:constr type="t" for="ch" forName="ChildText" refType="h" fact="0.05"/>
-              <dgm:constr type="w" for="ch" forName="ChildText" refType="w" fact="0.4134"/>
-              <dgm:constr type="h" for="ch" forName="ChildText" refType="h" fact="0.4"/>
-              <dgm:constr type="l" for="ch" forName="FinalChildText" refType="w" fact="0"/>
-              <dgm:constr type="t" for="ch" forName="FinalChildText" refType="h" fact="0.05"/>
-              <dgm:constr type="w" for="ch" forName="FinalChildText" refType="w" fact="0.4134"/>
-              <dgm:constr type="h" for="ch" forName="FinalChildText" refType="h" fact="0.4"/>
-            </dgm:constrLst>
-          </dgm:else>
-        </dgm:choose>
-        <dgm:choose name="Name9">
-          <dgm:if name="Name10" axis="followSib" ptType="node" func="cnt" op="gte" val="1">
-            <dgm:layoutNode name="bentUpArrow1" styleLbl="alignImgPlace1">
-              <dgm:alg type="sp"/>
-              <dgm:choose name="Name11">
-                <dgm:if name="Name12" func="var" arg="dir" op="equ" val="norm">
-                  <dgm:shape xmlns:r="http://schemas.openxmlformats.org/officeDocument/2006/relationships" rot="90" type="bentUpArrow" r:blip="">
-                    <dgm:adjLst>
-                      <dgm:adj idx="1" val="0.3284"/>
-                      <dgm:adj idx="2" val="0.25"/>
-                      <dgm:adj idx="3" val="0.3578"/>
-                    </dgm:adjLst>
-                  </dgm:shape>
-                </dgm:if>
-                <dgm:else name="Name13">
-                  <dgm:shape xmlns:r="http://schemas.openxmlformats.org/officeDocument/2006/relationships" rot="180" type="bentArrow" r:blip="">
-                    <dgm:adjLst>
-                      <dgm:adj idx="1" val="0.3284"/>
-                      <dgm:adj idx="2" val="0.25"/>
-                      <dgm:adj idx="3" val="0.3578"/>
-                      <dgm:adj idx="4" val="0"/>
-                    </dgm:adjLst>
-                  </dgm:shape>
-                </dgm:else>
-              </dgm:choose>
-              <dgm:presOf/>
-            </dgm:layoutNode>
-          </dgm:if>
-          <dgm:else name="Name14"/>
-        </dgm:choose>
-        <dgm:layoutNode name="ParentText" styleLbl="node1">
-          <dgm:varLst>
-            <dgm:chMax val="1"/>
-            <dgm:chPref val="1"/>
-            <dgm:bulletEnabled val="1"/>
-          </dgm:varLst>
-          <dgm:alg type="tx"/>
-          <dgm:shape xmlns:r="http://schemas.openxmlformats.org/officeDocument/2006/relationships" type="roundRect" r:blip="">
-            <dgm:adjLst>
-              <dgm:adj idx="1" val="0.1667"/>
-            </dgm:adjLst>
-          </dgm:shape>
-          <dgm:presOf axis="self" ptType="node"/>
-          <dgm:constrLst>
-            <dgm:constr type="lMarg" refType="primFontSz" fact="0.3"/>
-            <dgm:constr type="rMarg" refType="primFontSz" fact="0.3"/>
-            <dgm:constr type="tMarg" refType="primFontSz" fact="0.3"/>
-            <dgm:constr type="bMarg" refType="primFontSz" fact="0.3"/>
-          </dgm:constrLst>
-          <dgm:ruleLst>
-            <dgm:rule type="primFontSz" val="5" fact="NaN" max="NaN"/>
-          </dgm:ruleLst>
-        </dgm:layoutNode>
-        <dgm:choose name="Name15">
-          <dgm:if name="Name16" axis="followSib" ptType="node" func="cnt" op="equ" val="0">
-            <dgm:choose name="Name17">
-              <dgm:if name="Name18" axis="ch" ptType="node" func="cnt" op="gte" val="1">
-                <dgm:layoutNode name="FinalChildText" styleLbl="revTx">
-                  <dgm:varLst>
-                    <dgm:chMax val="0"/>
-                    <dgm:chPref val="0"/>
-                    <dgm:bulletEnabled val="1"/>
-                  </dgm:varLst>
-                  <dgm:alg type="tx">
-                    <dgm:param type="stBulletLvl" val="1"/>
-                    <dgm:param type="txAnchorVertCh" val="mid"/>
-                    <dgm:param type="parTxLTRAlign" val="l"/>
-                  </dgm:alg>
-                  <dgm:shape xmlns:r="http://schemas.openxmlformats.org/officeDocument/2006/relationships" type="rect" r:blip="">
-                    <dgm:adjLst/>
-                  </dgm:shape>
-                  <dgm:presOf axis="des" ptType="node"/>
-                  <dgm:constrLst>
-                    <dgm:constr type="lMarg" refType="primFontSz" fact="0.3"/>
-                    <dgm:constr type="rMarg" refType="primFontSz" fact="0.3"/>
-                    <dgm:constr type="tMarg" refType="primFontSz" fact="0.3"/>
-                    <dgm:constr type="bMarg" refType="primFontSz" fact="0.3"/>
-                  </dgm:constrLst>
-                  <dgm:ruleLst>
-                    <dgm:rule type="primFontSz" val="5" fact="NaN" max="NaN"/>
-                  </dgm:ruleLst>
-                </dgm:layoutNode>
-              </dgm:if>
-              <dgm:else name="Name19"/>
-            </dgm:choose>
-          </dgm:if>
-          <dgm:else name="Name20">
-            <dgm:layoutNode name="ChildText" styleLbl="revTx">
-              <dgm:varLst>
-                <dgm:chMax val="0"/>
-                <dgm:chPref val="0"/>
-                <dgm:bulletEnabled val="1"/>
-              </dgm:varLst>
-              <dgm:alg type="tx">
-                <dgm:param type="stBulletLvl" val="1"/>
-                <dgm:param type="txAnchorVertCh" val="mid"/>
-                <dgm:param type="parTxLTRAlign" val="l"/>
-              </dgm:alg>
-              <dgm:shape xmlns:r="http://schemas.openxmlformats.org/officeDocument/2006/relationships" type="rect" r:blip="">
-                <dgm:adjLst/>
-              </dgm:shape>
-              <dgm:presOf axis="des" ptType="node"/>
-              <dgm:constrLst>
-                <dgm:constr type="lMarg" refType="primFontSz" fact="0.3"/>
-                <dgm:constr type="rMarg" refType="primFontSz" fact="0.3"/>
-                <dgm:constr type="tMarg" refType="primFontSz" fact="0.3"/>
-                <dgm:constr type="bMarg" refType="primFontSz" fact="0.3"/>
-              </dgm:constrLst>
-              <dgm:ruleLst>
-                <dgm:rule type="primFontSz" val="5" fact="NaN" max="NaN"/>
-              </dgm:ruleLst>
-            </dgm:layoutNode>
-          </dgm:else>
-        </dgm:choose>
-      </dgm:layoutNode>
-      <dgm:forEach name="sibTransForEach" axis="followSib" ptType="sibTrans" cnt="1">
-        <dgm:layoutNode name="sibTrans">
-          <dgm:alg type="sp"/>
-          <dgm:shape xmlns:r="http://schemas.openxmlformats.org/officeDocument/2006/relationships" r:blip="">
-            <dgm:adjLst/>
-          </dgm:shape>
-        </dgm:layoutNode>
-      </dgm:forEach>
-    </dgm:forEach>
-  </dgm:layoutNode>
-</dgm:layoutDef>
-</file>
-
 <file path=ppt/diagrams/quickStyle1.xml><?xml version="1.0" encoding="utf-8"?>
 <dgm:styleDef xmlns:dgm="http://schemas.openxmlformats.org/drawingml/2006/diagram" xmlns:a="http://schemas.openxmlformats.org/drawingml/2006/main" uniqueId="urn:microsoft.com/office/officeart/2005/8/quickstyle/simple5">
   <dgm:title val=""/>
@@ -10839,1040 +9262,6 @@
 </file>
 
 <file path=ppt/diagrams/quickStyle4.xml><?xml version="1.0" encoding="utf-8"?>
-<dgm:styleDef xmlns:dgm="http://schemas.openxmlformats.org/drawingml/2006/diagram" xmlns:a="http://schemas.openxmlformats.org/drawingml/2006/main" uniqueId="urn:microsoft.com/office/officeart/2005/8/quickstyle/simple5">
-  <dgm:title val=""/>
-  <dgm:desc val=""/>
-  <dgm:catLst>
-    <dgm:cat type="simple" pri="10500"/>
-  </dgm:catLst>
-  <dgm:scene3d>
-    <a:camera prst="orthographicFront"/>
-    <a:lightRig rig="threePt" dir="t"/>
-  </dgm:scene3d>
-  <dgm:styleLbl name="node0">
-    <dgm:scene3d>
-      <a:camera prst="orthographicFront"/>
-      <a:lightRig rig="threePt" dir="t"/>
-    </dgm:scene3d>
-    <dgm:sp3d/>
-    <dgm:txPr/>
-    <dgm:style>
-      <a:lnRef idx="0">
-        <a:scrgbClr r="0" g="0" b="0"/>
-      </a:lnRef>
-      <a:fillRef idx="3">
-        <a:scrgbClr r="0" g="0" b="0"/>
-      </a:fillRef>
-      <a:effectRef idx="3">
-        <a:scrgbClr r="0" g="0" b="0"/>
-      </a:effectRef>
-      <a:fontRef idx="minor">
-        <a:schemeClr val="lt1"/>
-      </a:fontRef>
-    </dgm:style>
-  </dgm:styleLbl>
-  <dgm:styleLbl name="lnNode1">
-    <dgm:scene3d>
-      <a:camera prst="orthographicFront"/>
-      <a:lightRig rig="threePt" dir="t"/>
-    </dgm:scene3d>
-    <dgm:sp3d/>
-    <dgm:txPr/>
-    <dgm:style>
-      <a:lnRef idx="0">
-        <a:scrgbClr r="0" g="0" b="0"/>
-      </a:lnRef>
-      <a:fillRef idx="3">
-        <a:scrgbClr r="0" g="0" b="0"/>
-      </a:fillRef>
-      <a:effectRef idx="3">
-        <a:scrgbClr r="0" g="0" b="0"/>
-      </a:effectRef>
-      <a:fontRef idx="minor">
-        <a:schemeClr val="lt1"/>
-      </a:fontRef>
-    </dgm:style>
-  </dgm:styleLbl>
-  <dgm:styleLbl name="vennNode1">
-    <dgm:scene3d>
-      <a:camera prst="orthographicFront"/>
-      <a:lightRig rig="threePt" dir="t"/>
-    </dgm:scene3d>
-    <dgm:sp3d/>
-    <dgm:txPr/>
-    <dgm:style>
-      <a:lnRef idx="0">
-        <a:scrgbClr r="0" g="0" b="0"/>
-      </a:lnRef>
-      <a:fillRef idx="3">
-        <a:scrgbClr r="0" g="0" b="0"/>
-      </a:fillRef>
-      <a:effectRef idx="3">
-        <a:scrgbClr r="0" g="0" b="0"/>
-      </a:effectRef>
-      <a:fontRef idx="minor">
-        <a:schemeClr val="tx1"/>
-      </a:fontRef>
-    </dgm:style>
-  </dgm:styleLbl>
-  <dgm:styleLbl name="alignNode1">
-    <dgm:scene3d>
-      <a:camera prst="orthographicFront"/>
-      <a:lightRig rig="threePt" dir="t"/>
-    </dgm:scene3d>
-    <dgm:sp3d/>
-    <dgm:txPr/>
-    <dgm:style>
-      <a:lnRef idx="1">
-        <a:scrgbClr r="0" g="0" b="0"/>
-      </a:lnRef>
-      <a:fillRef idx="3">
-        <a:scrgbClr r="0" g="0" b="0"/>
-      </a:fillRef>
-      <a:effectRef idx="3">
-        <a:scrgbClr r="0" g="0" b="0"/>
-      </a:effectRef>
-      <a:fontRef idx="minor">
-        <a:schemeClr val="lt1"/>
-      </a:fontRef>
-    </dgm:style>
-  </dgm:styleLbl>
-  <dgm:styleLbl name="node1">
-    <dgm:scene3d>
-      <a:camera prst="orthographicFront"/>
-      <a:lightRig rig="threePt" dir="t"/>
-    </dgm:scene3d>
-    <dgm:sp3d/>
-    <dgm:txPr/>
-    <dgm:style>
-      <a:lnRef idx="0">
-        <a:scrgbClr r="0" g="0" b="0"/>
-      </a:lnRef>
-      <a:fillRef idx="3">
-        <a:scrgbClr r="0" g="0" b="0"/>
-      </a:fillRef>
-      <a:effectRef idx="3">
-        <a:scrgbClr r="0" g="0" b="0"/>
-      </a:effectRef>
-      <a:fontRef idx="minor">
-        <a:schemeClr val="lt1"/>
-      </a:fontRef>
-    </dgm:style>
-  </dgm:styleLbl>
-  <dgm:styleLbl name="node2">
-    <dgm:scene3d>
-      <a:camera prst="orthographicFront"/>
-      <a:lightRig rig="threePt" dir="t"/>
-    </dgm:scene3d>
-    <dgm:sp3d/>
-    <dgm:txPr/>
-    <dgm:style>
-      <a:lnRef idx="0">
-        <a:scrgbClr r="0" g="0" b="0"/>
-      </a:lnRef>
-      <a:fillRef idx="3">
-        <a:scrgbClr r="0" g="0" b="0"/>
-      </a:fillRef>
-      <a:effectRef idx="3">
-        <a:scrgbClr r="0" g="0" b="0"/>
-      </a:effectRef>
-      <a:fontRef idx="minor">
-        <a:schemeClr val="lt1"/>
-      </a:fontRef>
-    </dgm:style>
-  </dgm:styleLbl>
-  <dgm:styleLbl name="node3">
-    <dgm:scene3d>
-      <a:camera prst="orthographicFront"/>
-      <a:lightRig rig="threePt" dir="t"/>
-    </dgm:scene3d>
-    <dgm:sp3d/>
-    <dgm:txPr/>
-    <dgm:style>
-      <a:lnRef idx="0">
-        <a:scrgbClr r="0" g="0" b="0"/>
-      </a:lnRef>
-      <a:fillRef idx="3">
-        <a:scrgbClr r="0" g="0" b="0"/>
-      </a:fillRef>
-      <a:effectRef idx="3">
-        <a:scrgbClr r="0" g="0" b="0"/>
-      </a:effectRef>
-      <a:fontRef idx="minor">
-        <a:schemeClr val="lt1"/>
-      </a:fontRef>
-    </dgm:style>
-  </dgm:styleLbl>
-  <dgm:styleLbl name="node4">
-    <dgm:scene3d>
-      <a:camera prst="orthographicFront"/>
-      <a:lightRig rig="threePt" dir="t"/>
-    </dgm:scene3d>
-    <dgm:sp3d/>
-    <dgm:txPr/>
-    <dgm:style>
-      <a:lnRef idx="0">
-        <a:scrgbClr r="0" g="0" b="0"/>
-      </a:lnRef>
-      <a:fillRef idx="3">
-        <a:scrgbClr r="0" g="0" b="0"/>
-      </a:fillRef>
-      <a:effectRef idx="3">
-        <a:scrgbClr r="0" g="0" b="0"/>
-      </a:effectRef>
-      <a:fontRef idx="minor">
-        <a:schemeClr val="lt1"/>
-      </a:fontRef>
-    </dgm:style>
-  </dgm:styleLbl>
-  <dgm:styleLbl name="fgImgPlace1">
-    <dgm:scene3d>
-      <a:camera prst="orthographicFront"/>
-      <a:lightRig rig="threePt" dir="t"/>
-    </dgm:scene3d>
-    <dgm:sp3d/>
-    <dgm:txPr/>
-    <dgm:style>
-      <a:lnRef idx="0">
-        <a:scrgbClr r="0" g="0" b="0"/>
-      </a:lnRef>
-      <a:fillRef idx="1">
-        <a:scrgbClr r="0" g="0" b="0"/>
-      </a:fillRef>
-      <a:effectRef idx="3">
-        <a:scrgbClr r="0" g="0" b="0"/>
-      </a:effectRef>
-      <a:fontRef idx="minor"/>
-    </dgm:style>
-  </dgm:styleLbl>
-  <dgm:styleLbl name="alignImgPlace1">
-    <dgm:scene3d>
-      <a:camera prst="orthographicFront"/>
-      <a:lightRig rig="threePt" dir="t"/>
-    </dgm:scene3d>
-    <dgm:sp3d/>
-    <dgm:txPr/>
-    <dgm:style>
-      <a:lnRef idx="0">
-        <a:scrgbClr r="0" g="0" b="0"/>
-      </a:lnRef>
-      <a:fillRef idx="1">
-        <a:scrgbClr r="0" g="0" b="0"/>
-      </a:fillRef>
-      <a:effectRef idx="3">
-        <a:scrgbClr r="0" g="0" b="0"/>
-      </a:effectRef>
-      <a:fontRef idx="minor"/>
-    </dgm:style>
-  </dgm:styleLbl>
-  <dgm:styleLbl name="bgImgPlace1">
-    <dgm:scene3d>
-      <a:camera prst="orthographicFront"/>
-      <a:lightRig rig="threePt" dir="t"/>
-    </dgm:scene3d>
-    <dgm:sp3d/>
-    <dgm:txPr/>
-    <dgm:style>
-      <a:lnRef idx="0">
-        <a:scrgbClr r="0" g="0" b="0"/>
-      </a:lnRef>
-      <a:fillRef idx="1">
-        <a:scrgbClr r="0" g="0" b="0"/>
-      </a:fillRef>
-      <a:effectRef idx="3">
-        <a:scrgbClr r="0" g="0" b="0"/>
-      </a:effectRef>
-      <a:fontRef idx="minor"/>
-    </dgm:style>
-  </dgm:styleLbl>
-  <dgm:styleLbl name="sibTrans2D1">
-    <dgm:scene3d>
-      <a:camera prst="orthographicFront"/>
-      <a:lightRig rig="threePt" dir="t"/>
-    </dgm:scene3d>
-    <dgm:sp3d/>
-    <dgm:txPr/>
-    <dgm:style>
-      <a:lnRef idx="0">
-        <a:scrgbClr r="0" g="0" b="0"/>
-      </a:lnRef>
-      <a:fillRef idx="3">
-        <a:scrgbClr r="0" g="0" b="0"/>
-      </a:fillRef>
-      <a:effectRef idx="3">
-        <a:scrgbClr r="0" g="0" b="0"/>
-      </a:effectRef>
-      <a:fontRef idx="minor">
-        <a:schemeClr val="lt1"/>
-      </a:fontRef>
-    </dgm:style>
-  </dgm:styleLbl>
-  <dgm:styleLbl name="fgSibTrans2D1">
-    <dgm:scene3d>
-      <a:camera prst="orthographicFront"/>
-      <a:lightRig rig="threePt" dir="t"/>
-    </dgm:scene3d>
-    <dgm:sp3d/>
-    <dgm:txPr/>
-    <dgm:style>
-      <a:lnRef idx="0">
-        <a:scrgbClr r="0" g="0" b="0"/>
-      </a:lnRef>
-      <a:fillRef idx="3">
-        <a:scrgbClr r="0" g="0" b="0"/>
-      </a:fillRef>
-      <a:effectRef idx="3">
-        <a:scrgbClr r="0" g="0" b="0"/>
-      </a:effectRef>
-      <a:fontRef idx="minor">
-        <a:schemeClr val="lt1"/>
-      </a:fontRef>
-    </dgm:style>
-  </dgm:styleLbl>
-  <dgm:styleLbl name="bgSibTrans2D1">
-    <dgm:scene3d>
-      <a:camera prst="orthographicFront"/>
-      <a:lightRig rig="threePt" dir="t"/>
-    </dgm:scene3d>
-    <dgm:sp3d/>
-    <dgm:txPr/>
-    <dgm:style>
-      <a:lnRef idx="0">
-        <a:scrgbClr r="0" g="0" b="0"/>
-      </a:lnRef>
-      <a:fillRef idx="3">
-        <a:scrgbClr r="0" g="0" b="0"/>
-      </a:fillRef>
-      <a:effectRef idx="3">
-        <a:scrgbClr r="0" g="0" b="0"/>
-      </a:effectRef>
-      <a:fontRef idx="minor">
-        <a:schemeClr val="lt1"/>
-      </a:fontRef>
-    </dgm:style>
-  </dgm:styleLbl>
-  <dgm:styleLbl name="sibTrans1D1">
-    <dgm:scene3d>
-      <a:camera prst="orthographicFront"/>
-      <a:lightRig rig="threePt" dir="t"/>
-    </dgm:scene3d>
-    <dgm:sp3d/>
-    <dgm:txPr/>
-    <dgm:style>
-      <a:lnRef idx="1">
-        <a:scrgbClr r="0" g="0" b="0"/>
-      </a:lnRef>
-      <a:fillRef idx="0">
-        <a:scrgbClr r="0" g="0" b="0"/>
-      </a:fillRef>
-      <a:effectRef idx="0">
-        <a:scrgbClr r="0" g="0" b="0"/>
-      </a:effectRef>
-      <a:fontRef idx="minor"/>
-    </dgm:style>
-  </dgm:styleLbl>
-  <dgm:styleLbl name="callout">
-    <dgm:scene3d>
-      <a:camera prst="orthographicFront"/>
-      <a:lightRig rig="threePt" dir="t"/>
-    </dgm:scene3d>
-    <dgm:sp3d/>
-    <dgm:txPr/>
-    <dgm:style>
-      <a:lnRef idx="1">
-        <a:scrgbClr r="0" g="0" b="0"/>
-      </a:lnRef>
-      <a:fillRef idx="0">
-        <a:scrgbClr r="0" g="0" b="0"/>
-      </a:fillRef>
-      <a:effectRef idx="1">
-        <a:scrgbClr r="0" g="0" b="0"/>
-      </a:effectRef>
-      <a:fontRef idx="minor"/>
-    </dgm:style>
-  </dgm:styleLbl>
-  <dgm:styleLbl name="asst0">
-    <dgm:scene3d>
-      <a:camera prst="orthographicFront"/>
-      <a:lightRig rig="threePt" dir="t"/>
-    </dgm:scene3d>
-    <dgm:sp3d/>
-    <dgm:txPr/>
-    <dgm:style>
-      <a:lnRef idx="0">
-        <a:scrgbClr r="0" g="0" b="0"/>
-      </a:lnRef>
-      <a:fillRef idx="3">
-        <a:scrgbClr r="0" g="0" b="0"/>
-      </a:fillRef>
-      <a:effectRef idx="3">
-        <a:scrgbClr r="0" g="0" b="0"/>
-      </a:effectRef>
-      <a:fontRef idx="minor">
-        <a:schemeClr val="lt1"/>
-      </a:fontRef>
-    </dgm:style>
-  </dgm:styleLbl>
-  <dgm:styleLbl name="asst1">
-    <dgm:scene3d>
-      <a:camera prst="orthographicFront"/>
-      <a:lightRig rig="threePt" dir="t"/>
-    </dgm:scene3d>
-    <dgm:sp3d/>
-    <dgm:txPr/>
-    <dgm:style>
-      <a:lnRef idx="0">
-        <a:scrgbClr r="0" g="0" b="0"/>
-      </a:lnRef>
-      <a:fillRef idx="3">
-        <a:scrgbClr r="0" g="0" b="0"/>
-      </a:fillRef>
-      <a:effectRef idx="3">
-        <a:scrgbClr r="0" g="0" b="0"/>
-      </a:effectRef>
-      <a:fontRef idx="minor">
-        <a:schemeClr val="lt1"/>
-      </a:fontRef>
-    </dgm:style>
-  </dgm:styleLbl>
-  <dgm:styleLbl name="asst2">
-    <dgm:scene3d>
-      <a:camera prst="orthographicFront"/>
-      <a:lightRig rig="threePt" dir="t"/>
-    </dgm:scene3d>
-    <dgm:sp3d/>
-    <dgm:txPr/>
-    <dgm:style>
-      <a:lnRef idx="0">
-        <a:scrgbClr r="0" g="0" b="0"/>
-      </a:lnRef>
-      <a:fillRef idx="3">
-        <a:scrgbClr r="0" g="0" b="0"/>
-      </a:fillRef>
-      <a:effectRef idx="3">
-        <a:scrgbClr r="0" g="0" b="0"/>
-      </a:effectRef>
-      <a:fontRef idx="minor">
-        <a:schemeClr val="lt1"/>
-      </a:fontRef>
-    </dgm:style>
-  </dgm:styleLbl>
-  <dgm:styleLbl name="asst3">
-    <dgm:scene3d>
-      <a:camera prst="orthographicFront"/>
-      <a:lightRig rig="threePt" dir="t"/>
-    </dgm:scene3d>
-    <dgm:sp3d/>
-    <dgm:txPr/>
-    <dgm:style>
-      <a:lnRef idx="0">
-        <a:scrgbClr r="0" g="0" b="0"/>
-      </a:lnRef>
-      <a:fillRef idx="3">
-        <a:scrgbClr r="0" g="0" b="0"/>
-      </a:fillRef>
-      <a:effectRef idx="3">
-        <a:scrgbClr r="0" g="0" b="0"/>
-      </a:effectRef>
-      <a:fontRef idx="minor">
-        <a:schemeClr val="lt1"/>
-      </a:fontRef>
-    </dgm:style>
-  </dgm:styleLbl>
-  <dgm:styleLbl name="asst4">
-    <dgm:scene3d>
-      <a:camera prst="orthographicFront"/>
-      <a:lightRig rig="threePt" dir="t"/>
-    </dgm:scene3d>
-    <dgm:sp3d/>
-    <dgm:txPr/>
-    <dgm:style>
-      <a:lnRef idx="0">
-        <a:scrgbClr r="0" g="0" b="0"/>
-      </a:lnRef>
-      <a:fillRef idx="3">
-        <a:scrgbClr r="0" g="0" b="0"/>
-      </a:fillRef>
-      <a:effectRef idx="3">
-        <a:scrgbClr r="0" g="0" b="0"/>
-      </a:effectRef>
-      <a:fontRef idx="minor">
-        <a:schemeClr val="lt1"/>
-      </a:fontRef>
-    </dgm:style>
-  </dgm:styleLbl>
-  <dgm:styleLbl name="parChTrans2D1">
-    <dgm:scene3d>
-      <a:camera prst="orthographicFront"/>
-      <a:lightRig rig="threePt" dir="t"/>
-    </dgm:scene3d>
-    <dgm:sp3d/>
-    <dgm:txPr/>
-    <dgm:style>
-      <a:lnRef idx="0">
-        <a:scrgbClr r="0" g="0" b="0"/>
-      </a:lnRef>
-      <a:fillRef idx="3">
-        <a:scrgbClr r="0" g="0" b="0"/>
-      </a:fillRef>
-      <a:effectRef idx="3">
-        <a:scrgbClr r="0" g="0" b="0"/>
-      </a:effectRef>
-      <a:fontRef idx="minor">
-        <a:schemeClr val="lt1"/>
-      </a:fontRef>
-    </dgm:style>
-  </dgm:styleLbl>
-  <dgm:styleLbl name="parChTrans2D2">
-    <dgm:scene3d>
-      <a:camera prst="orthographicFront"/>
-      <a:lightRig rig="threePt" dir="t"/>
-    </dgm:scene3d>
-    <dgm:sp3d/>
-    <dgm:txPr/>
-    <dgm:style>
-      <a:lnRef idx="0">
-        <a:scrgbClr r="0" g="0" b="0"/>
-      </a:lnRef>
-      <a:fillRef idx="3">
-        <a:scrgbClr r="0" g="0" b="0"/>
-      </a:fillRef>
-      <a:effectRef idx="3">
-        <a:scrgbClr r="0" g="0" b="0"/>
-      </a:effectRef>
-      <a:fontRef idx="minor">
-        <a:schemeClr val="lt1"/>
-      </a:fontRef>
-    </dgm:style>
-  </dgm:styleLbl>
-  <dgm:styleLbl name="parChTrans2D3">
-    <dgm:scene3d>
-      <a:camera prst="orthographicFront"/>
-      <a:lightRig rig="threePt" dir="t"/>
-    </dgm:scene3d>
-    <dgm:sp3d/>
-    <dgm:txPr/>
-    <dgm:style>
-      <a:lnRef idx="0">
-        <a:scrgbClr r="0" g="0" b="0"/>
-      </a:lnRef>
-      <a:fillRef idx="3">
-        <a:scrgbClr r="0" g="0" b="0"/>
-      </a:fillRef>
-      <a:effectRef idx="3">
-        <a:scrgbClr r="0" g="0" b="0"/>
-      </a:effectRef>
-      <a:fontRef idx="minor">
-        <a:schemeClr val="lt1"/>
-      </a:fontRef>
-    </dgm:style>
-  </dgm:styleLbl>
-  <dgm:styleLbl name="parChTrans2D4">
-    <dgm:scene3d>
-      <a:camera prst="orthographicFront"/>
-      <a:lightRig rig="threePt" dir="t"/>
-    </dgm:scene3d>
-    <dgm:sp3d/>
-    <dgm:txPr/>
-    <dgm:style>
-      <a:lnRef idx="0">
-        <a:scrgbClr r="0" g="0" b="0"/>
-      </a:lnRef>
-      <a:fillRef idx="3">
-        <a:scrgbClr r="0" g="0" b="0"/>
-      </a:fillRef>
-      <a:effectRef idx="3">
-        <a:scrgbClr r="0" g="0" b="0"/>
-      </a:effectRef>
-      <a:fontRef idx="minor">
-        <a:schemeClr val="lt1"/>
-      </a:fontRef>
-    </dgm:style>
-  </dgm:styleLbl>
-  <dgm:styleLbl name="parChTrans1D1">
-    <dgm:scene3d>
-      <a:camera prst="orthographicFront"/>
-      <a:lightRig rig="threePt" dir="t"/>
-    </dgm:scene3d>
-    <dgm:sp3d/>
-    <dgm:txPr/>
-    <dgm:style>
-      <a:lnRef idx="2">
-        <a:scrgbClr r="0" g="0" b="0"/>
-      </a:lnRef>
-      <a:fillRef idx="0">
-        <a:scrgbClr r="0" g="0" b="0"/>
-      </a:fillRef>
-      <a:effectRef idx="0">
-        <a:scrgbClr r="0" g="0" b="0"/>
-      </a:effectRef>
-      <a:fontRef idx="minor"/>
-    </dgm:style>
-  </dgm:styleLbl>
-  <dgm:styleLbl name="parChTrans1D2">
-    <dgm:scene3d>
-      <a:camera prst="orthographicFront"/>
-      <a:lightRig rig="threePt" dir="t"/>
-    </dgm:scene3d>
-    <dgm:sp3d/>
-    <dgm:txPr/>
-    <dgm:style>
-      <a:lnRef idx="2">
-        <a:scrgbClr r="0" g="0" b="0"/>
-      </a:lnRef>
-      <a:fillRef idx="0">
-        <a:scrgbClr r="0" g="0" b="0"/>
-      </a:fillRef>
-      <a:effectRef idx="0">
-        <a:scrgbClr r="0" g="0" b="0"/>
-      </a:effectRef>
-      <a:fontRef idx="minor"/>
-    </dgm:style>
-  </dgm:styleLbl>
-  <dgm:styleLbl name="parChTrans1D3">
-    <dgm:scene3d>
-      <a:camera prst="orthographicFront"/>
-      <a:lightRig rig="threePt" dir="t"/>
-    </dgm:scene3d>
-    <dgm:sp3d/>
-    <dgm:txPr/>
-    <dgm:style>
-      <a:lnRef idx="2">
-        <a:scrgbClr r="0" g="0" b="0"/>
-      </a:lnRef>
-      <a:fillRef idx="0">
-        <a:scrgbClr r="0" g="0" b="0"/>
-      </a:fillRef>
-      <a:effectRef idx="0">
-        <a:scrgbClr r="0" g="0" b="0"/>
-      </a:effectRef>
-      <a:fontRef idx="minor"/>
-    </dgm:style>
-  </dgm:styleLbl>
-  <dgm:styleLbl name="parChTrans1D4">
-    <dgm:scene3d>
-      <a:camera prst="orthographicFront"/>
-      <a:lightRig rig="threePt" dir="t"/>
-    </dgm:scene3d>
-    <dgm:sp3d/>
-    <dgm:txPr/>
-    <dgm:style>
-      <a:lnRef idx="2">
-        <a:scrgbClr r="0" g="0" b="0"/>
-      </a:lnRef>
-      <a:fillRef idx="0">
-        <a:scrgbClr r="0" g="0" b="0"/>
-      </a:fillRef>
-      <a:effectRef idx="0">
-        <a:scrgbClr r="0" g="0" b="0"/>
-      </a:effectRef>
-      <a:fontRef idx="minor"/>
-    </dgm:style>
-  </dgm:styleLbl>
-  <dgm:styleLbl name="fgAcc1">
-    <dgm:scene3d>
-      <a:camera prst="orthographicFront"/>
-      <a:lightRig rig="threePt" dir="t"/>
-    </dgm:scene3d>
-    <dgm:sp3d/>
-    <dgm:txPr/>
-    <dgm:style>
-      <a:lnRef idx="1">
-        <a:scrgbClr r="0" g="0" b="0"/>
-      </a:lnRef>
-      <a:fillRef idx="1">
-        <a:scrgbClr r="0" g="0" b="0"/>
-      </a:fillRef>
-      <a:effectRef idx="2">
-        <a:scrgbClr r="0" g="0" b="0"/>
-      </a:effectRef>
-      <a:fontRef idx="minor"/>
-    </dgm:style>
-  </dgm:styleLbl>
-  <dgm:styleLbl name="conFgAcc1">
-    <dgm:scene3d>
-      <a:camera prst="orthographicFront"/>
-      <a:lightRig rig="threePt" dir="t"/>
-    </dgm:scene3d>
-    <dgm:sp3d/>
-    <dgm:txPr/>
-    <dgm:style>
-      <a:lnRef idx="1">
-        <a:scrgbClr r="0" g="0" b="0"/>
-      </a:lnRef>
-      <a:fillRef idx="1">
-        <a:scrgbClr r="0" g="0" b="0"/>
-      </a:fillRef>
-      <a:effectRef idx="2">
-        <a:scrgbClr r="0" g="0" b="0"/>
-      </a:effectRef>
-      <a:fontRef idx="minor"/>
-    </dgm:style>
-  </dgm:styleLbl>
-  <dgm:styleLbl name="alignAcc1">
-    <dgm:scene3d>
-      <a:camera prst="orthographicFront"/>
-      <a:lightRig rig="threePt" dir="t"/>
-    </dgm:scene3d>
-    <dgm:sp3d/>
-    <dgm:txPr/>
-    <dgm:style>
-      <a:lnRef idx="1">
-        <a:scrgbClr r="0" g="0" b="0"/>
-      </a:lnRef>
-      <a:fillRef idx="1">
-        <a:scrgbClr r="0" g="0" b="0"/>
-      </a:fillRef>
-      <a:effectRef idx="2">
-        <a:scrgbClr r="0" g="0" b="0"/>
-      </a:effectRef>
-      <a:fontRef idx="minor"/>
-    </dgm:style>
-  </dgm:styleLbl>
-  <dgm:styleLbl name="trAlignAcc1">
-    <dgm:scene3d>
-      <a:camera prst="orthographicFront"/>
-      <a:lightRig rig="threePt" dir="t"/>
-    </dgm:scene3d>
-    <dgm:sp3d/>
-    <dgm:txPr/>
-    <dgm:style>
-      <a:lnRef idx="1">
-        <a:scrgbClr r="0" g="0" b="0"/>
-      </a:lnRef>
-      <a:fillRef idx="1">
-        <a:scrgbClr r="0" g="0" b="0"/>
-      </a:fillRef>
-      <a:effectRef idx="0">
-        <a:scrgbClr r="0" g="0" b="0"/>
-      </a:effectRef>
-      <a:fontRef idx="minor"/>
-    </dgm:style>
-  </dgm:styleLbl>
-  <dgm:styleLbl name="bgAcc1">
-    <dgm:scene3d>
-      <a:camera prst="orthographicFront"/>
-      <a:lightRig rig="threePt" dir="t"/>
-    </dgm:scene3d>
-    <dgm:sp3d/>
-    <dgm:txPr/>
-    <dgm:style>
-      <a:lnRef idx="1">
-        <a:scrgbClr r="0" g="0" b="0"/>
-      </a:lnRef>
-      <a:fillRef idx="1">
-        <a:scrgbClr r="0" g="0" b="0"/>
-      </a:fillRef>
-      <a:effectRef idx="2">
-        <a:scrgbClr r="0" g="0" b="0"/>
-      </a:effectRef>
-      <a:fontRef idx="minor"/>
-    </dgm:style>
-  </dgm:styleLbl>
-  <dgm:styleLbl name="solidFgAcc1">
-    <dgm:scene3d>
-      <a:camera prst="orthographicFront"/>
-      <a:lightRig rig="threePt" dir="t"/>
-    </dgm:scene3d>
-    <dgm:sp3d/>
-    <dgm:txPr/>
-    <dgm:style>
-      <a:lnRef idx="1">
-        <a:scrgbClr r="0" g="0" b="0"/>
-      </a:lnRef>
-      <a:fillRef idx="1">
-        <a:scrgbClr r="0" g="0" b="0"/>
-      </a:fillRef>
-      <a:effectRef idx="2">
-        <a:scrgbClr r="0" g="0" b="0"/>
-      </a:effectRef>
-      <a:fontRef idx="minor"/>
-    </dgm:style>
-  </dgm:styleLbl>
-  <dgm:styleLbl name="solidAlignAcc1">
-    <dgm:scene3d>
-      <a:camera prst="orthographicFront"/>
-      <a:lightRig rig="threePt" dir="t"/>
-    </dgm:scene3d>
-    <dgm:sp3d/>
-    <dgm:txPr/>
-    <dgm:style>
-      <a:lnRef idx="1">
-        <a:scrgbClr r="0" g="0" b="0"/>
-      </a:lnRef>
-      <a:fillRef idx="1">
-        <a:scrgbClr r="0" g="0" b="0"/>
-      </a:fillRef>
-      <a:effectRef idx="3">
-        <a:scrgbClr r="0" g="0" b="0"/>
-      </a:effectRef>
-      <a:fontRef idx="minor"/>
-    </dgm:style>
-  </dgm:styleLbl>
-  <dgm:styleLbl name="solidBgAcc1">
-    <dgm:scene3d>
-      <a:camera prst="orthographicFront"/>
-      <a:lightRig rig="threePt" dir="t"/>
-    </dgm:scene3d>
-    <dgm:sp3d/>
-    <dgm:txPr/>
-    <dgm:style>
-      <a:lnRef idx="1">
-        <a:scrgbClr r="0" g="0" b="0"/>
-      </a:lnRef>
-      <a:fillRef idx="1">
-        <a:scrgbClr r="0" g="0" b="0"/>
-      </a:fillRef>
-      <a:effectRef idx="3">
-        <a:scrgbClr r="0" g="0" b="0"/>
-      </a:effectRef>
-      <a:fontRef idx="minor"/>
-    </dgm:style>
-  </dgm:styleLbl>
-  <dgm:styleLbl name="fgAccFollowNode1">
-    <dgm:scene3d>
-      <a:camera prst="orthographicFront"/>
-      <a:lightRig rig="threePt" dir="t"/>
-    </dgm:scene3d>
-    <dgm:sp3d/>
-    <dgm:txPr/>
-    <dgm:style>
-      <a:lnRef idx="1">
-        <a:scrgbClr r="0" g="0" b="0"/>
-      </a:lnRef>
-      <a:fillRef idx="1">
-        <a:scrgbClr r="0" g="0" b="0"/>
-      </a:fillRef>
-      <a:effectRef idx="2">
-        <a:scrgbClr r="0" g="0" b="0"/>
-      </a:effectRef>
-      <a:fontRef idx="minor"/>
-    </dgm:style>
-  </dgm:styleLbl>
-  <dgm:styleLbl name="alignAccFollowNode1">
-    <dgm:scene3d>
-      <a:camera prst="orthographicFront"/>
-      <a:lightRig rig="threePt" dir="t"/>
-    </dgm:scene3d>
-    <dgm:sp3d/>
-    <dgm:txPr/>
-    <dgm:style>
-      <a:lnRef idx="1">
-        <a:scrgbClr r="0" g="0" b="0"/>
-      </a:lnRef>
-      <a:fillRef idx="1">
-        <a:scrgbClr r="0" g="0" b="0"/>
-      </a:fillRef>
-      <a:effectRef idx="2">
-        <a:scrgbClr r="0" g="0" b="0"/>
-      </a:effectRef>
-      <a:fontRef idx="minor"/>
-    </dgm:style>
-  </dgm:styleLbl>
-  <dgm:styleLbl name="bgAccFollowNode1">
-    <dgm:scene3d>
-      <a:camera prst="orthographicFront"/>
-      <a:lightRig rig="threePt" dir="t"/>
-    </dgm:scene3d>
-    <dgm:sp3d/>
-    <dgm:txPr/>
-    <dgm:style>
-      <a:lnRef idx="1">
-        <a:scrgbClr r="0" g="0" b="0"/>
-      </a:lnRef>
-      <a:fillRef idx="1">
-        <a:scrgbClr r="0" g="0" b="0"/>
-      </a:fillRef>
-      <a:effectRef idx="2">
-        <a:scrgbClr r="0" g="0" b="0"/>
-      </a:effectRef>
-      <a:fontRef idx="minor"/>
-    </dgm:style>
-  </dgm:styleLbl>
-  <dgm:styleLbl name="fgAcc0">
-    <dgm:scene3d>
-      <a:camera prst="orthographicFront"/>
-      <a:lightRig rig="threePt" dir="t"/>
-    </dgm:scene3d>
-    <dgm:sp3d/>
-    <dgm:txPr/>
-    <dgm:style>
-      <a:lnRef idx="1">
-        <a:scrgbClr r="0" g="0" b="0"/>
-      </a:lnRef>
-      <a:fillRef idx="1">
-        <a:scrgbClr r="0" g="0" b="0"/>
-      </a:fillRef>
-      <a:effectRef idx="2">
-        <a:scrgbClr r="0" g="0" b="0"/>
-      </a:effectRef>
-      <a:fontRef idx="minor"/>
-    </dgm:style>
-  </dgm:styleLbl>
-  <dgm:styleLbl name="fgAcc2">
-    <dgm:scene3d>
-      <a:camera prst="orthographicFront"/>
-      <a:lightRig rig="threePt" dir="t"/>
-    </dgm:scene3d>
-    <dgm:sp3d/>
-    <dgm:txPr/>
-    <dgm:style>
-      <a:lnRef idx="1">
-        <a:scrgbClr r="0" g="0" b="0"/>
-      </a:lnRef>
-      <a:fillRef idx="1">
-        <a:scrgbClr r="0" g="0" b="0"/>
-      </a:fillRef>
-      <a:effectRef idx="2">
-        <a:scrgbClr r="0" g="0" b="0"/>
-      </a:effectRef>
-      <a:fontRef idx="minor"/>
-    </dgm:style>
-  </dgm:styleLbl>
-  <dgm:styleLbl name="fgAcc3">
-    <dgm:scene3d>
-      <a:camera prst="orthographicFront"/>
-      <a:lightRig rig="threePt" dir="t"/>
-    </dgm:scene3d>
-    <dgm:sp3d/>
-    <dgm:txPr/>
-    <dgm:style>
-      <a:lnRef idx="1">
-        <a:scrgbClr r="0" g="0" b="0"/>
-      </a:lnRef>
-      <a:fillRef idx="1">
-        <a:scrgbClr r="0" g="0" b="0"/>
-      </a:fillRef>
-      <a:effectRef idx="2">
-        <a:scrgbClr r="0" g="0" b="0"/>
-      </a:effectRef>
-      <a:fontRef idx="minor"/>
-    </dgm:style>
-  </dgm:styleLbl>
-  <dgm:styleLbl name="fgAcc4">
-    <dgm:scene3d>
-      <a:camera prst="orthographicFront"/>
-      <a:lightRig rig="threePt" dir="t"/>
-    </dgm:scene3d>
-    <dgm:sp3d/>
-    <dgm:txPr/>
-    <dgm:style>
-      <a:lnRef idx="1">
-        <a:scrgbClr r="0" g="0" b="0"/>
-      </a:lnRef>
-      <a:fillRef idx="1">
-        <a:scrgbClr r="0" g="0" b="0"/>
-      </a:fillRef>
-      <a:effectRef idx="2">
-        <a:scrgbClr r="0" g="0" b="0"/>
-      </a:effectRef>
-      <a:fontRef idx="minor"/>
-    </dgm:style>
-  </dgm:styleLbl>
-  <dgm:styleLbl name="bgShp">
-    <dgm:scene3d>
-      <a:camera prst="orthographicFront"/>
-      <a:lightRig rig="threePt" dir="t"/>
-    </dgm:scene3d>
-    <dgm:sp3d/>
-    <dgm:txPr/>
-    <dgm:style>
-      <a:lnRef idx="0">
-        <a:scrgbClr r="0" g="0" b="0"/>
-      </a:lnRef>
-      <a:fillRef idx="1">
-        <a:scrgbClr r="0" g="0" b="0"/>
-      </a:fillRef>
-      <a:effectRef idx="2">
-        <a:scrgbClr r="0" g="0" b="0"/>
-      </a:effectRef>
-      <a:fontRef idx="minor"/>
-    </dgm:style>
-  </dgm:styleLbl>
-  <dgm:styleLbl name="dkBgShp">
-    <dgm:scene3d>
-      <a:camera prst="orthographicFront"/>
-      <a:lightRig rig="threePt" dir="t"/>
-    </dgm:scene3d>
-    <dgm:sp3d/>
-    <dgm:txPr/>
-    <dgm:style>
-      <a:lnRef idx="0">
-        <a:scrgbClr r="0" g="0" b="0"/>
-      </a:lnRef>
-      <a:fillRef idx="1">
-        <a:scrgbClr r="0" g="0" b="0"/>
-      </a:fillRef>
-      <a:effectRef idx="3">
-        <a:scrgbClr r="0" g="0" b="0"/>
-      </a:effectRef>
-      <a:fontRef idx="minor"/>
-    </dgm:style>
-  </dgm:styleLbl>
-  <dgm:styleLbl name="trBgShp">
-    <dgm:scene3d>
-      <a:camera prst="orthographicFront"/>
-      <a:lightRig rig="threePt" dir="t"/>
-    </dgm:scene3d>
-    <dgm:sp3d/>
-    <dgm:txPr/>
-    <dgm:style>
-      <a:lnRef idx="0">
-        <a:scrgbClr r="0" g="0" b="0"/>
-      </a:lnRef>
-      <a:fillRef idx="1">
-        <a:scrgbClr r="0" g="0" b="0"/>
-      </a:fillRef>
-      <a:effectRef idx="0">
-        <a:scrgbClr r="0" g="0" b="0"/>
-      </a:effectRef>
-      <a:fontRef idx="minor"/>
-    </dgm:style>
-  </dgm:styleLbl>
-  <dgm:styleLbl name="fgShp">
-    <dgm:scene3d>
-      <a:camera prst="orthographicFront"/>
-      <a:lightRig rig="threePt" dir="t"/>
-    </dgm:scene3d>
-    <dgm:sp3d/>
-    <dgm:txPr/>
-    <dgm:style>
-      <a:lnRef idx="0">
-        <a:scrgbClr r="0" g="0" b="0"/>
-      </a:lnRef>
-      <a:fillRef idx="3">
-        <a:scrgbClr r="0" g="0" b="0"/>
-      </a:fillRef>
-      <a:effectRef idx="3">
-        <a:scrgbClr r="0" g="0" b="0"/>
-      </a:effectRef>
-      <a:fontRef idx="minor"/>
-    </dgm:style>
-  </dgm:styleLbl>
-  <dgm:styleLbl name="revTx">
-    <dgm:scene3d>
-      <a:camera prst="orthographicFront"/>
-      <a:lightRig rig="threePt" dir="t"/>
-    </dgm:scene3d>
-    <dgm:sp3d/>
-    <dgm:txPr/>
-    <dgm:style>
-      <a:lnRef idx="0">
-        <a:scrgbClr r="0" g="0" b="0"/>
-      </a:lnRef>
-      <a:fillRef idx="0">
-        <a:scrgbClr r="0" g="0" b="0"/>
-      </a:fillRef>
-      <a:effectRef idx="0">
-        <a:scrgbClr r="0" g="0" b="0"/>
-      </a:effectRef>
-      <a:fontRef idx="minor"/>
-    </dgm:style>
-  </dgm:styleLbl>
-</dgm:styleDef>
-</file>
-
-<file path=ppt/diagrams/quickStyle5.xml><?xml version="1.0" encoding="utf-8"?>
 <dgm:styleDef xmlns:dgm="http://schemas.openxmlformats.org/drawingml/2006/diagram" xmlns:a="http://schemas.openxmlformats.org/drawingml/2006/main" uniqueId="urn:microsoft.com/office/officeart/2005/8/quickstyle/simple5">
   <dgm:title val=""/>
   <dgm:desc val=""/>
@@ -12988,7 +10377,7 @@
           <a:p>
             <a:fld id="{F534234D-0415-4A08-B87F-E5F6CAAE4C4B}" type="datetimeFigureOut">
               <a:rPr lang="en-US" smtClean="0"/>
-              <a:t>6/12/2020</a:t>
+              <a:t>6/26/2020</a:t>
             </a:fld>
             <a:endParaRPr lang="en-US"/>
           </a:p>
@@ -13402,7 +10791,7 @@
           <a:p>
             <a:fld id="{9AADD19F-1586-464B-9469-E07B04F36DB8}" type="datetime1">
               <a:rPr lang="en-US" smtClean="0"/>
-              <a:t>6/12/2020</a:t>
+              <a:t>6/26/2020</a:t>
             </a:fld>
             <a:endParaRPr lang="en-US" dirty="0"/>
           </a:p>
@@ -13604,7 +10993,7 @@
           <a:p>
             <a:fld id="{8ACC3CB6-D6E7-4302-B8DA-177549DD7DAA}" type="datetime1">
               <a:rPr lang="en-US" smtClean="0"/>
-              <a:t>6/12/2020</a:t>
+              <a:t>6/26/2020</a:t>
             </a:fld>
             <a:endParaRPr lang="en-US"/>
           </a:p>
@@ -13815,7 +11204,7 @@
           <a:p>
             <a:fld id="{DD97193D-3C41-4280-82D8-A0BAEF597E81}" type="datetime1">
               <a:rPr lang="en-US" smtClean="0"/>
-              <a:t>6/12/2020</a:t>
+              <a:t>6/26/2020</a:t>
             </a:fld>
             <a:endParaRPr lang="en-US"/>
           </a:p>
@@ -14016,7 +11405,7 @@
           <a:p>
             <a:fld id="{4C10A67B-A724-4F64-A945-2C6110660953}" type="datetime1">
               <a:rPr lang="en-US" smtClean="0"/>
-              <a:t>6/12/2020</a:t>
+              <a:t>6/26/2020</a:t>
             </a:fld>
             <a:endParaRPr lang="en-US"/>
           </a:p>
@@ -14294,7 +11683,7 @@
           <a:p>
             <a:fld id="{E1487A7C-C400-4555-9A56-F10BD2CF5F6E}" type="datetime1">
               <a:rPr lang="en-US" smtClean="0"/>
-              <a:t>6/12/2020</a:t>
+              <a:t>6/26/2020</a:t>
             </a:fld>
             <a:endParaRPr lang="en-US"/>
           </a:p>
@@ -14562,7 +11951,7 @@
           <a:p>
             <a:fld id="{7A4C7924-7091-437F-90CB-83B7DDC5A300}" type="datetime1">
               <a:rPr lang="en-US" smtClean="0"/>
-              <a:t>6/12/2020</a:t>
+              <a:t>6/26/2020</a:t>
             </a:fld>
             <a:endParaRPr lang="en-US"/>
           </a:p>
@@ -14977,7 +12366,7 @@
           <a:p>
             <a:fld id="{DBC3440F-00E4-456C-ABA3-A14DA01FBEFF}" type="datetime1">
               <a:rPr lang="en-US" smtClean="0"/>
-              <a:t>6/12/2020</a:t>
+              <a:t>6/26/2020</a:t>
             </a:fld>
             <a:endParaRPr lang="en-US"/>
           </a:p>
@@ -15121,7 +12510,7 @@
           <a:p>
             <a:fld id="{A88D7671-AF9C-4957-8D2F-61D481D02860}" type="datetime1">
               <a:rPr lang="en-US" smtClean="0"/>
-              <a:t>6/12/2020</a:t>
+              <a:t>6/26/2020</a:t>
             </a:fld>
             <a:endParaRPr lang="en-US"/>
           </a:p>
@@ -15237,7 +12626,7 @@
           <a:p>
             <a:fld id="{7F18A26F-4A5A-4232-8162-7CCCC8FA6851}" type="datetime1">
               <a:rPr lang="en-US" smtClean="0"/>
-              <a:t>6/12/2020</a:t>
+              <a:t>6/26/2020</a:t>
             </a:fld>
             <a:endParaRPr lang="en-US"/>
           </a:p>
@@ -15551,7 +12940,7 @@
           <a:p>
             <a:fld id="{E0D219E5-F18C-4A38-AAEA-480839F6E07F}" type="datetime1">
               <a:rPr lang="en-US" smtClean="0"/>
-              <a:t>6/12/2020</a:t>
+              <a:t>6/26/2020</a:t>
             </a:fld>
             <a:endParaRPr lang="en-US" dirty="0"/>
           </a:p>
@@ -15842,7 +13231,7 @@
           <a:p>
             <a:fld id="{A6048461-B94D-489B-8C29-7BC378CF50D5}" type="datetime1">
               <a:rPr lang="en-US" smtClean="0"/>
-              <a:t>6/12/2020</a:t>
+              <a:t>6/26/2020</a:t>
             </a:fld>
             <a:endParaRPr lang="en-US"/>
           </a:p>
@@ -16086,7 +13475,7 @@
           <a:p>
             <a:fld id="{0377BF4F-BABD-4B72-BD05-8F67F06B22FA}" type="datetime1">
               <a:rPr lang="en-US" smtClean="0"/>
-              <a:t>6/12/2020</a:t>
+              <a:t>6/26/2020</a:t>
             </a:fld>
             <a:endParaRPr lang="en-US"/>
           </a:p>
@@ -16780,168 +14169,6 @@
           </a:xfrm>
         </p:spPr>
         <p:txBody>
-          <a:bodyPr/>
-          <a:lstStyle/>
-          <a:p>
-            <a:r>
-              <a:rPr lang="en-US" dirty="0"/>
-              <a:t>Noise Filtering</a:t>
-            </a:r>
-          </a:p>
-          <a:p>
-            <a:r>
-              <a:rPr lang="en-US" dirty="0"/>
-              <a:t>Segmentation</a:t>
-            </a:r>
-          </a:p>
-          <a:p>
-            <a:r>
-              <a:rPr lang="en-US" dirty="0"/>
-              <a:t>Map Matching</a:t>
-            </a:r>
-          </a:p>
-        </p:txBody>
-      </p:sp>
-      <p:sp>
-        <p:nvSpPr>
-          <p:cNvPr id="4" name="Footer Placeholder 3">
-            <a:extLst>
-              <a:ext uri="{FF2B5EF4-FFF2-40B4-BE49-F238E27FC236}">
-                <a16:creationId xmlns:a16="http://schemas.microsoft.com/office/drawing/2014/main" id="{BEBF7B21-D7DB-49B3-B61B-ABB0EDA89A1D}"/>
-              </a:ext>
-            </a:extLst>
-          </p:cNvPr>
-          <p:cNvSpPr>
-            <a:spLocks noGrp="1"/>
-          </p:cNvSpPr>
-          <p:nvPr>
-            <p:ph type="ftr" sz="quarter" idx="11"/>
-          </p:nvPr>
-        </p:nvSpPr>
-        <p:spPr/>
-        <p:txBody>
-          <a:bodyPr/>
-          <a:lstStyle/>
-          <a:p>
-            <a:r>
-              <a:rPr lang="en-US" dirty="0"/>
-              <a:t>Trajectory Data Mining</a:t>
-            </a:r>
-          </a:p>
-        </p:txBody>
-      </p:sp>
-      <p:sp>
-        <p:nvSpPr>
-          <p:cNvPr id="5" name="Slide Number Placeholder 4">
-            <a:extLst>
-              <a:ext uri="{FF2B5EF4-FFF2-40B4-BE49-F238E27FC236}">
-                <a16:creationId xmlns:a16="http://schemas.microsoft.com/office/drawing/2014/main" id="{4358949F-1567-4257-9B89-6BB87E33417A}"/>
-              </a:ext>
-            </a:extLst>
-          </p:cNvPr>
-          <p:cNvSpPr>
-            <a:spLocks noGrp="1"/>
-          </p:cNvSpPr>
-          <p:nvPr>
-            <p:ph type="sldNum" sz="quarter" idx="12"/>
-          </p:nvPr>
-        </p:nvSpPr>
-        <p:spPr/>
-        <p:txBody>
-          <a:bodyPr/>
-          <a:lstStyle/>
-          <a:p>
-            <a:fld id="{B2DC25EE-239B-4C5F-AAD1-255A7D5F1EE2}" type="slidenum">
-              <a:rPr lang="en-US" smtClean="0"/>
-              <a:t>3</a:t>
-            </a:fld>
-            <a:endParaRPr lang="en-US"/>
-          </a:p>
-        </p:txBody>
-      </p:sp>
-      <p:graphicFrame>
-        <p:nvGraphicFramePr>
-          <p:cNvPr id="10" name="Content Placeholder 8">
-            <a:extLst>
-              <a:ext uri="{FF2B5EF4-FFF2-40B4-BE49-F238E27FC236}">
-                <a16:creationId xmlns:a16="http://schemas.microsoft.com/office/drawing/2014/main" id="{068A5E49-66BB-4A0B-97AC-B81F83D3E18A}"/>
-              </a:ext>
-            </a:extLst>
-          </p:cNvPr>
-          <p:cNvGraphicFramePr>
-            <a:graphicFrameLocks/>
-          </p:cNvGraphicFramePr>
-          <p:nvPr>
-            <p:extLst>
-              <p:ext uri="{D42A27DB-BD31-4B8C-83A1-F6EECF244321}">
-                <p14:modId xmlns:p14="http://schemas.microsoft.com/office/powerpoint/2010/main" val="3849612959"/>
-              </p:ext>
-            </p:extLst>
-          </p:nvPr>
-        </p:nvGraphicFramePr>
-        <p:xfrm>
-          <a:off x="0" y="0"/>
-          <a:ext cx="7072516" cy="1776796"/>
-        </p:xfrm>
-        <a:graphic>
-          <a:graphicData uri="http://schemas.openxmlformats.org/drawingml/2006/diagram">
-            <dgm:relIds xmlns:dgm="http://schemas.openxmlformats.org/drawingml/2006/diagram" xmlns:r="http://schemas.openxmlformats.org/officeDocument/2006/relationships" r:dm="rId2" r:lo="rId3" r:qs="rId4" r:cs="rId5"/>
-          </a:graphicData>
-        </a:graphic>
-      </p:graphicFrame>
-    </p:spTree>
-    <p:extLst>
-      <p:ext uri="{BB962C8B-B14F-4D97-AF65-F5344CB8AC3E}">
-        <p14:creationId xmlns:p14="http://schemas.microsoft.com/office/powerpoint/2010/main" val="1173947226"/>
-      </p:ext>
-    </p:extLst>
-  </p:cSld>
-  <p:clrMapOvr>
-    <a:masterClrMapping/>
-  </p:clrMapOvr>
-</p:sld>
-</file>
-
-<file path=ppt/slides/slide4.xml><?xml version="1.0" encoding="utf-8"?>
-<p:sld xmlns:a="http://schemas.openxmlformats.org/drawingml/2006/main" xmlns:r="http://schemas.openxmlformats.org/officeDocument/2006/relationships" xmlns:p="http://schemas.openxmlformats.org/presentationml/2006/main">
-  <p:cSld>
-    <p:spTree>
-      <p:nvGrpSpPr>
-        <p:cNvPr id="1" name=""/>
-        <p:cNvGrpSpPr/>
-        <p:nvPr/>
-      </p:nvGrpSpPr>
-      <p:grpSpPr>
-        <a:xfrm>
-          <a:off x="0" y="0"/>
-          <a:ext cx="0" cy="0"/>
-          <a:chOff x="0" y="0"/>
-          <a:chExt cx="0" cy="0"/>
-        </a:xfrm>
-      </p:grpSpPr>
-      <p:sp>
-        <p:nvSpPr>
-          <p:cNvPr id="3" name="Content Placeholder 2">
-            <a:extLst>
-              <a:ext uri="{FF2B5EF4-FFF2-40B4-BE49-F238E27FC236}">
-                <a16:creationId xmlns:a16="http://schemas.microsoft.com/office/drawing/2014/main" id="{8D1028FB-8258-449F-A40E-2395288BF994}"/>
-              </a:ext>
-            </a:extLst>
-          </p:cNvPr>
-          <p:cNvSpPr>
-            <a:spLocks noGrp="1"/>
-          </p:cNvSpPr>
-          <p:nvPr>
-            <p:ph idx="1"/>
-          </p:nvPr>
-        </p:nvSpPr>
-        <p:spPr>
-          <a:xfrm>
-            <a:off x="567708" y="2032482"/>
-            <a:ext cx="11167814" cy="4276878"/>
-          </a:xfrm>
-        </p:spPr>
-        <p:txBody>
           <a:bodyPr>
             <a:normAutofit lnSpcReduction="10000"/>
           </a:bodyPr>
@@ -17065,7 +14292,7 @@
           <a:p>
             <a:fld id="{B2DC25EE-239B-4C5F-AAD1-255A7D5F1EE2}" type="slidenum">
               <a:rPr lang="en-US" smtClean="0"/>
-              <a:t>4</a:t>
+              <a:t>3</a:t>
             </a:fld>
             <a:endParaRPr lang="en-US"/>
           </a:p>
@@ -17114,7 +14341,7 @@
 </p:sld>
 </file>
 
-<file path=ppt/slides/slide5.xml><?xml version="1.0" encoding="utf-8"?>
+<file path=ppt/slides/slide4.xml><?xml version="1.0" encoding="utf-8"?>
 <p:sld xmlns:a="http://schemas.openxmlformats.org/drawingml/2006/main" xmlns:r="http://schemas.openxmlformats.org/officeDocument/2006/relationships" xmlns:p="http://schemas.openxmlformats.org/presentationml/2006/main">
   <p:cSld>
     <p:spTree>
@@ -17260,7 +14487,7 @@
           <a:p>
             <a:fld id="{B2DC25EE-239B-4C5F-AAD1-255A7D5F1EE2}" type="slidenum">
               <a:rPr lang="en-US" smtClean="0"/>
-              <a:t>5</a:t>
+              <a:t>4</a:t>
             </a:fld>
             <a:endParaRPr lang="en-US"/>
           </a:p>
@@ -17309,7 +14536,7 @@
 </p:sld>
 </file>
 
-<file path=ppt/slides/slide6.xml><?xml version="1.0" encoding="utf-8"?>
+<file path=ppt/slides/slide5.xml><?xml version="1.0" encoding="utf-8"?>
 <p:sld xmlns:a="http://schemas.openxmlformats.org/drawingml/2006/main" xmlns:r="http://schemas.openxmlformats.org/officeDocument/2006/relationships" xmlns:p="http://schemas.openxmlformats.org/presentationml/2006/main">
   <p:cSld>
     <p:spTree>
@@ -17358,12 +14585,37 @@
             </a:r>
           </a:p>
           <a:p>
-            <a:endParaRPr lang="en-US" dirty="0"/>
+            <a:pPr lvl="1"/>
+            <a:r>
+              <a:rPr lang="en-US" dirty="0"/>
+              <a:t>Mean/median filter</a:t>
+            </a:r>
+          </a:p>
+          <a:p>
+            <a:pPr lvl="1"/>
+            <a:r>
+              <a:rPr lang="en-US" dirty="0"/>
+              <a:t>Kalman and Particle filters</a:t>
+            </a:r>
+          </a:p>
+          <a:p>
+            <a:pPr lvl="1"/>
+            <a:r>
+              <a:rPr lang="en-US" dirty="0"/>
+              <a:t>Heuristic-Based outlier detection</a:t>
+            </a:r>
+          </a:p>
+          <a:p>
+            <a:pPr lvl="2"/>
+            <a:r>
+              <a:rPr lang="en-US" dirty="0"/>
+              <a:t>Speed threshold (e.g. 150 mph)</a:t>
+            </a:r>
           </a:p>
           <a:p>
             <a:r>
               <a:rPr lang="en-US" dirty="0"/>
-              <a:t>Segmentation</a:t>
+              <a:t>Stay point detection</a:t>
             </a:r>
           </a:p>
           <a:p>
@@ -17425,7 +14677,7 @@
           <a:p>
             <a:fld id="{B2DC25EE-239B-4C5F-AAD1-255A7D5F1EE2}" type="slidenum">
               <a:rPr lang="en-US" smtClean="0"/>
-              <a:t>6</a:t>
+              <a:t>5</a:t>
             </a:fld>
             <a:endParaRPr lang="en-US"/>
           </a:p>
@@ -17455,6 +14707,36 @@
           </a:graphicData>
         </a:graphic>
       </p:graphicFrame>
+      <p:pic>
+        <p:nvPicPr>
+          <p:cNvPr id="2" name="Picture 1">
+            <a:extLst>
+              <a:ext uri="{FF2B5EF4-FFF2-40B4-BE49-F238E27FC236}">
+                <a16:creationId xmlns:a16="http://schemas.microsoft.com/office/drawing/2014/main" id="{6A6183DC-50E0-494E-9615-4EB91D5AE3EC}"/>
+              </a:ext>
+            </a:extLst>
+          </p:cNvPr>
+          <p:cNvPicPr>
+            <a:picLocks noChangeAspect="1"/>
+          </p:cNvPicPr>
+          <p:nvPr/>
+        </p:nvPicPr>
+        <p:blipFill>
+          <a:blip r:embed="rId7"/>
+          <a:stretch>
+            <a:fillRect/>
+          </a:stretch>
+        </p:blipFill>
+        <p:spPr>
+          <a:xfrm>
+            <a:off x="8300620" y="1776796"/>
+            <a:ext cx="3434901" cy="1604367"/>
+          </a:xfrm>
+          <a:prstGeom prst="rect">
+            <a:avLst/>
+          </a:prstGeom>
+        </p:spPr>
+      </p:pic>
     </p:spTree>
     <p:extLst>
       <p:ext uri="{BB962C8B-B14F-4D97-AF65-F5344CB8AC3E}">
